--- a/assets/lectures/BPW_Lecture_06.pptx
+++ b/assets/lectures/BPW_Lecture_06.pptx
@@ -19,7 +19,8 @@
     <p:sldId id="323" r:id="rId13"/>
     <p:sldId id="324" r:id="rId14"/>
     <p:sldId id="325" r:id="rId15"/>
-    <p:sldId id="302" r:id="rId16"/>
+    <p:sldId id="326" r:id="rId16"/>
+    <p:sldId id="302" r:id="rId17"/>
   </p:sldIdLst>
   <p:sldSz cx="12192000" cy="6858000"/>
   <p:notesSz cx="6858000" cy="9144000"/>
@@ -285,7 +286,7 @@
           <a:p>
             <a:fld id="{F57857CC-207A-4D73-9A20-C856A5068D10}" type="datetimeFigureOut">
               <a:rPr lang="en-US" smtClean="0"/>
-              <a:t>12/30/18</a:t>
+              <a:t>1/2/19</a:t>
             </a:fld>
             <a:endParaRPr lang="en-US"/>
           </a:p>
@@ -483,7 +484,7 @@
           <a:p>
             <a:fld id="{F57857CC-207A-4D73-9A20-C856A5068D10}" type="datetimeFigureOut">
               <a:rPr lang="en-US" smtClean="0"/>
-              <a:t>12/30/18</a:t>
+              <a:t>1/2/19</a:t>
             </a:fld>
             <a:endParaRPr lang="en-US"/>
           </a:p>
@@ -691,7 +692,7 @@
           <a:p>
             <a:fld id="{F57857CC-207A-4D73-9A20-C856A5068D10}" type="datetimeFigureOut">
               <a:rPr lang="en-US" smtClean="0"/>
-              <a:t>12/30/18</a:t>
+              <a:t>1/2/19</a:t>
             </a:fld>
             <a:endParaRPr lang="en-US"/>
           </a:p>
@@ -889,7 +890,7 @@
           <a:p>
             <a:fld id="{F57857CC-207A-4D73-9A20-C856A5068D10}" type="datetimeFigureOut">
               <a:rPr lang="en-US" smtClean="0"/>
-              <a:t>12/30/18</a:t>
+              <a:t>1/2/19</a:t>
             </a:fld>
             <a:endParaRPr lang="en-US"/>
           </a:p>
@@ -1164,7 +1165,7 @@
           <a:p>
             <a:fld id="{F57857CC-207A-4D73-9A20-C856A5068D10}" type="datetimeFigureOut">
               <a:rPr lang="en-US" smtClean="0"/>
-              <a:t>12/30/18</a:t>
+              <a:t>1/2/19</a:t>
             </a:fld>
             <a:endParaRPr lang="en-US"/>
           </a:p>
@@ -1429,7 +1430,7 @@
           <a:p>
             <a:fld id="{F57857CC-207A-4D73-9A20-C856A5068D10}" type="datetimeFigureOut">
               <a:rPr lang="en-US" smtClean="0"/>
-              <a:t>12/30/18</a:t>
+              <a:t>1/2/19</a:t>
             </a:fld>
             <a:endParaRPr lang="en-US"/>
           </a:p>
@@ -1841,7 +1842,7 @@
           <a:p>
             <a:fld id="{F57857CC-207A-4D73-9A20-C856A5068D10}" type="datetimeFigureOut">
               <a:rPr lang="en-US" smtClean="0"/>
-              <a:t>12/30/18</a:t>
+              <a:t>1/2/19</a:t>
             </a:fld>
             <a:endParaRPr lang="en-US"/>
           </a:p>
@@ -1982,7 +1983,7 @@
           <a:p>
             <a:fld id="{F57857CC-207A-4D73-9A20-C856A5068D10}" type="datetimeFigureOut">
               <a:rPr lang="en-US" smtClean="0"/>
-              <a:t>12/30/18</a:t>
+              <a:t>1/2/19</a:t>
             </a:fld>
             <a:endParaRPr lang="en-US"/>
           </a:p>
@@ -2095,7 +2096,7 @@
           <a:p>
             <a:fld id="{F57857CC-207A-4D73-9A20-C856A5068D10}" type="datetimeFigureOut">
               <a:rPr lang="en-US" smtClean="0"/>
-              <a:t>12/30/18</a:t>
+              <a:t>1/2/19</a:t>
             </a:fld>
             <a:endParaRPr lang="en-US"/>
           </a:p>
@@ -2406,7 +2407,7 @@
           <a:p>
             <a:fld id="{F57857CC-207A-4D73-9A20-C856A5068D10}" type="datetimeFigureOut">
               <a:rPr lang="en-US" smtClean="0"/>
-              <a:t>12/30/18</a:t>
+              <a:t>1/2/19</a:t>
             </a:fld>
             <a:endParaRPr lang="en-US"/>
           </a:p>
@@ -2694,7 +2695,7 @@
           <a:p>
             <a:fld id="{F57857CC-207A-4D73-9A20-C856A5068D10}" type="datetimeFigureOut">
               <a:rPr lang="en-US" smtClean="0"/>
-              <a:t>12/30/18</a:t>
+              <a:t>1/2/19</a:t>
             </a:fld>
             <a:endParaRPr lang="en-US"/>
           </a:p>
@@ -2935,7 +2936,7 @@
           <a:p>
             <a:fld id="{F57857CC-207A-4D73-9A20-C856A5068D10}" type="datetimeFigureOut">
               <a:rPr lang="en-US" smtClean="0"/>
-              <a:t>12/30/18</a:t>
+              <a:t>1/2/19</a:t>
             </a:fld>
             <a:endParaRPr lang="en-US"/>
           </a:p>
@@ -7502,6 +7503,389 @@
       </p:sp>
       <p:sp>
         <p:nvSpPr>
+          <p:cNvPr id="17" name="TextBox 16">
+            <a:extLst>
+              <a:ext uri="{FF2B5EF4-FFF2-40B4-BE49-F238E27FC236}">
+                <a16:creationId xmlns:a16="http://schemas.microsoft.com/office/drawing/2014/main" id="{A4750DBF-3559-2942-8700-833866D9B60E}"/>
+              </a:ext>
+            </a:extLst>
+          </p:cNvPr>
+          <p:cNvSpPr txBox="1"/>
+          <p:nvPr/>
+        </p:nvSpPr>
+        <p:spPr>
+          <a:xfrm>
+            <a:off x="536954" y="1318963"/>
+            <a:ext cx="10579395" cy="1429622"/>
+          </a:xfrm>
+          <a:prstGeom prst="rect">
+            <a:avLst/>
+          </a:prstGeom>
+          <a:noFill/>
+        </p:spPr>
+        <p:txBody>
+          <a:bodyPr wrap="square" rtlCol="0">
+            <a:spAutoFit/>
+          </a:bodyPr>
+          <a:lstStyle/>
+          <a:p>
+            <a:pPr marL="342900" indent="-342900">
+              <a:lnSpc>
+                <a:spcPct val="150000"/>
+              </a:lnSpc>
+              <a:buFont typeface="Wingdings" pitchFamily="2" charset="2"/>
+              <a:buChar char="q"/>
+            </a:pPr>
+            <a:r>
+              <a:rPr lang="en-US" sz="2000" dirty="0"/>
+              <a:t>Reorganize HTML structure to encase similar content into the same parenting </a:t>
+            </a:r>
+            <a:r>
+              <a:rPr lang="en-US" sz="2000" dirty="0" err="1"/>
+              <a:t>divs.</a:t>
+            </a:r>
+            <a:endParaRPr lang="en-US" sz="2000" dirty="0"/>
+          </a:p>
+          <a:p>
+            <a:pPr marL="342900" indent="-342900">
+              <a:lnSpc>
+                <a:spcPct val="150000"/>
+              </a:lnSpc>
+              <a:buFont typeface="Wingdings" pitchFamily="2" charset="2"/>
+              <a:buChar char="q"/>
+            </a:pPr>
+            <a:r>
+              <a:rPr lang="en-US" sz="2000" dirty="0"/>
+              <a:t>Add </a:t>
+            </a:r>
+            <a:r>
+              <a:rPr lang="en-US" sz="2000" b="1" dirty="0"/>
+              <a:t>hover</a:t>
+            </a:r>
+            <a:r>
+              <a:rPr lang="en-US" sz="2000" dirty="0"/>
+              <a:t> and </a:t>
+            </a:r>
+            <a:r>
+              <a:rPr lang="en-US" sz="2000" b="1" dirty="0"/>
+              <a:t>active</a:t>
+            </a:r>
+            <a:r>
+              <a:rPr lang="en-US" sz="2000" dirty="0"/>
+              <a:t> interactions to elements.</a:t>
+            </a:r>
+          </a:p>
+          <a:p>
+            <a:pPr>
+              <a:lnSpc>
+                <a:spcPct val="150000"/>
+              </a:lnSpc>
+            </a:pPr>
+            <a:endParaRPr lang="en-US" sz="2000" dirty="0"/>
+          </a:p>
+        </p:txBody>
+      </p:sp>
+      <p:sp>
+        <p:nvSpPr>
+          <p:cNvPr id="20" name="TextBox 19">
+            <a:extLst>
+              <a:ext uri="{FF2B5EF4-FFF2-40B4-BE49-F238E27FC236}">
+                <a16:creationId xmlns:a16="http://schemas.microsoft.com/office/drawing/2014/main" id="{C2339FDB-4724-4D49-A692-A8831DB49664}"/>
+              </a:ext>
+            </a:extLst>
+          </p:cNvPr>
+          <p:cNvSpPr txBox="1"/>
+          <p:nvPr/>
+        </p:nvSpPr>
+        <p:spPr>
+          <a:xfrm>
+            <a:off x="3703675" y="9526"/>
+            <a:ext cx="4784649" cy="1003031"/>
+          </a:xfrm>
+          <a:prstGeom prst="rect">
+            <a:avLst/>
+          </a:prstGeom>
+          <a:noFill/>
+        </p:spPr>
+        <p:txBody>
+          <a:bodyPr wrap="square" rtlCol="0">
+            <a:spAutoFit/>
+          </a:bodyPr>
+          <a:lstStyle/>
+          <a:p>
+            <a:pPr algn="ctr">
+              <a:lnSpc>
+                <a:spcPct val="150000"/>
+              </a:lnSpc>
+            </a:pPr>
+            <a:r>
+              <a:rPr lang="en-US" sz="4400" dirty="0"/>
+              <a:t>Homework Ideas</a:t>
+            </a:r>
+          </a:p>
+        </p:txBody>
+      </p:sp>
+      <p:cxnSp>
+        <p:nvCxnSpPr>
+          <p:cNvPr id="22" name="Straight Connector 21">
+            <a:extLst>
+              <a:ext uri="{FF2B5EF4-FFF2-40B4-BE49-F238E27FC236}">
+                <a16:creationId xmlns:a16="http://schemas.microsoft.com/office/drawing/2014/main" id="{D522E4B9-29A4-874F-88C7-6CBF6E0A362C}"/>
+              </a:ext>
+            </a:extLst>
+          </p:cNvPr>
+          <p:cNvCxnSpPr>
+            <a:cxnSpLocks/>
+          </p:cNvCxnSpPr>
+          <p:nvPr/>
+        </p:nvCxnSpPr>
+        <p:spPr>
+          <a:xfrm>
+            <a:off x="5955606" y="1013664"/>
+            <a:ext cx="419986" cy="0"/>
+          </a:xfrm>
+          <a:prstGeom prst="line">
+            <a:avLst/>
+          </a:prstGeom>
+          <a:ln w="28575"/>
+        </p:spPr>
+        <p:style>
+          <a:lnRef idx="1">
+            <a:schemeClr val="dk1"/>
+          </a:lnRef>
+          <a:fillRef idx="0">
+            <a:schemeClr val="dk1"/>
+          </a:fillRef>
+          <a:effectRef idx="0">
+            <a:schemeClr val="dk1"/>
+          </a:effectRef>
+          <a:fontRef idx="minor">
+            <a:schemeClr val="tx1"/>
+          </a:fontRef>
+        </p:style>
+      </p:cxnSp>
+    </p:spTree>
+    <p:extLst>
+      <p:ext uri="{BB962C8B-B14F-4D97-AF65-F5344CB8AC3E}">
+        <p14:creationId xmlns:p14="http://schemas.microsoft.com/office/powerpoint/2010/main" val="1200883118"/>
+      </p:ext>
+    </p:extLst>
+  </p:cSld>
+  <p:clrMapOvr>
+    <a:masterClrMapping/>
+  </p:clrMapOvr>
+</p:sld>
+</file>
+
+<file path=ppt/slides/slide16.xml><?xml version="1.0" encoding="utf-8"?>
+<p:sld xmlns:a="http://schemas.openxmlformats.org/drawingml/2006/main" xmlns:r="http://schemas.openxmlformats.org/officeDocument/2006/relationships" xmlns:p="http://schemas.openxmlformats.org/presentationml/2006/main">
+  <p:cSld>
+    <p:bg>
+      <p:bgPr>
+        <a:solidFill>
+          <a:schemeClr val="bg2"/>
+        </a:solidFill>
+        <a:effectLst/>
+      </p:bgPr>
+    </p:bg>
+    <p:spTree>
+      <p:nvGrpSpPr>
+        <p:cNvPr id="1" name=""/>
+        <p:cNvGrpSpPr/>
+        <p:nvPr/>
+      </p:nvGrpSpPr>
+      <p:grpSpPr>
+        <a:xfrm>
+          <a:off x="0" y="0"/>
+          <a:ext cx="0" cy="0"/>
+          <a:chOff x="0" y="0"/>
+          <a:chExt cx="0" cy="0"/>
+        </a:xfrm>
+      </p:grpSpPr>
+      <p:sp>
+        <p:nvSpPr>
+          <p:cNvPr id="4" name="Rectangle 3">
+            <a:extLst>
+              <a:ext uri="{FF2B5EF4-FFF2-40B4-BE49-F238E27FC236}">
+                <a16:creationId xmlns:a16="http://schemas.microsoft.com/office/drawing/2014/main" id="{678F1DA2-2833-49FF-9287-44720AC6C8D2}"/>
+              </a:ext>
+            </a:extLst>
+          </p:cNvPr>
+          <p:cNvSpPr/>
+          <p:nvPr/>
+        </p:nvSpPr>
+        <p:spPr>
+          <a:xfrm>
+            <a:off x="0" y="6581001"/>
+            <a:ext cx="9976268" cy="276999"/>
+          </a:xfrm>
+          <a:prstGeom prst="rect">
+            <a:avLst/>
+          </a:prstGeom>
+          <a:solidFill>
+            <a:srgbClr val="92D050"/>
+          </a:solidFill>
+          <a:ln>
+            <a:noFill/>
+          </a:ln>
+        </p:spPr>
+        <p:style>
+          <a:lnRef idx="2">
+            <a:schemeClr val="accent1">
+              <a:shade val="50000"/>
+            </a:schemeClr>
+          </a:lnRef>
+          <a:fillRef idx="1">
+            <a:schemeClr val="accent1"/>
+          </a:fillRef>
+          <a:effectRef idx="0">
+            <a:schemeClr val="accent1"/>
+          </a:effectRef>
+          <a:fontRef idx="minor">
+            <a:schemeClr val="lt1"/>
+          </a:fontRef>
+        </p:style>
+        <p:txBody>
+          <a:bodyPr rtlCol="0" anchor="ctr"/>
+          <a:lstStyle/>
+          <a:p>
+            <a:pPr algn="ctr"/>
+            <a:endParaRPr lang="en-US" dirty="0"/>
+          </a:p>
+        </p:txBody>
+      </p:sp>
+      <p:sp>
+        <p:nvSpPr>
+          <p:cNvPr id="5" name="TextBox 4">
+            <a:extLst>
+              <a:ext uri="{FF2B5EF4-FFF2-40B4-BE49-F238E27FC236}">
+                <a16:creationId xmlns:a16="http://schemas.microsoft.com/office/drawing/2014/main" id="{9758F7A4-2143-4CCD-B8B3-8B4A1461ECF9}"/>
+              </a:ext>
+            </a:extLst>
+          </p:cNvPr>
+          <p:cNvSpPr txBox="1"/>
+          <p:nvPr/>
+        </p:nvSpPr>
+        <p:spPr>
+          <a:xfrm>
+            <a:off x="36674" y="6583215"/>
+            <a:ext cx="2682077" cy="276999"/>
+          </a:xfrm>
+          <a:prstGeom prst="rect">
+            <a:avLst/>
+          </a:prstGeom>
+          <a:noFill/>
+        </p:spPr>
+        <p:txBody>
+          <a:bodyPr wrap="square" rtlCol="0">
+            <a:spAutoFit/>
+          </a:bodyPr>
+          <a:lstStyle/>
+          <a:p>
+            <a:r>
+              <a:rPr lang="en-US" sz="1200" dirty="0">
+                <a:solidFill>
+                  <a:schemeClr val="bg1"/>
+                </a:solidFill>
+              </a:rPr>
+              <a:t>Building Personal Websites</a:t>
+            </a:r>
+          </a:p>
+        </p:txBody>
+      </p:sp>
+      <p:sp>
+        <p:nvSpPr>
+          <p:cNvPr id="6" name="Rectangle 5">
+            <a:extLst>
+              <a:ext uri="{FF2B5EF4-FFF2-40B4-BE49-F238E27FC236}">
+                <a16:creationId xmlns:a16="http://schemas.microsoft.com/office/drawing/2014/main" id="{40845236-8634-4353-BA0D-8817FE36EC7A}"/>
+              </a:ext>
+            </a:extLst>
+          </p:cNvPr>
+          <p:cNvSpPr/>
+          <p:nvPr/>
+        </p:nvSpPr>
+        <p:spPr>
+          <a:xfrm>
+            <a:off x="9921514" y="6581001"/>
+            <a:ext cx="2270485" cy="276999"/>
+          </a:xfrm>
+          <a:prstGeom prst="rect">
+            <a:avLst/>
+          </a:prstGeom>
+          <a:solidFill>
+            <a:srgbClr val="00B0F0"/>
+          </a:solidFill>
+          <a:ln>
+            <a:noFill/>
+          </a:ln>
+        </p:spPr>
+        <p:style>
+          <a:lnRef idx="2">
+            <a:schemeClr val="accent1">
+              <a:shade val="50000"/>
+            </a:schemeClr>
+          </a:lnRef>
+          <a:fillRef idx="1">
+            <a:schemeClr val="accent1"/>
+          </a:fillRef>
+          <a:effectRef idx="0">
+            <a:schemeClr val="accent1"/>
+          </a:effectRef>
+          <a:fontRef idx="minor">
+            <a:schemeClr val="lt1"/>
+          </a:fontRef>
+        </p:style>
+        <p:txBody>
+          <a:bodyPr rtlCol="0" anchor="ctr"/>
+          <a:lstStyle/>
+          <a:p>
+            <a:pPr algn="ctr"/>
+            <a:endParaRPr lang="en-US" dirty="0"/>
+          </a:p>
+        </p:txBody>
+      </p:sp>
+      <p:sp>
+        <p:nvSpPr>
+          <p:cNvPr id="8" name="TextBox 7">
+            <a:extLst>
+              <a:ext uri="{FF2B5EF4-FFF2-40B4-BE49-F238E27FC236}">
+                <a16:creationId xmlns:a16="http://schemas.microsoft.com/office/drawing/2014/main" id="{6403EA4A-E7EB-4525-B0D2-13B3997D5780}"/>
+              </a:ext>
+            </a:extLst>
+          </p:cNvPr>
+          <p:cNvSpPr txBox="1"/>
+          <p:nvPr/>
+        </p:nvSpPr>
+        <p:spPr>
+          <a:xfrm>
+            <a:off x="9958188" y="6578787"/>
+            <a:ext cx="2682077" cy="276999"/>
+          </a:xfrm>
+          <a:prstGeom prst="rect">
+            <a:avLst/>
+          </a:prstGeom>
+          <a:noFill/>
+        </p:spPr>
+        <p:txBody>
+          <a:bodyPr wrap="square" rtlCol="0">
+            <a:spAutoFit/>
+          </a:bodyPr>
+          <a:lstStyle/>
+          <a:p>
+            <a:r>
+              <a:rPr lang="en-US" sz="1200" dirty="0">
+                <a:solidFill>
+                  <a:schemeClr val="bg1"/>
+                </a:solidFill>
+              </a:rPr>
+              <a:t>Lecture 06 | Interactive Elements</a:t>
+            </a:r>
+          </a:p>
+        </p:txBody>
+      </p:sp>
+      <p:sp>
+        <p:nvSpPr>
           <p:cNvPr id="7" name="TextBox 6">
             <a:extLst>
               <a:ext uri="{FF2B5EF4-FFF2-40B4-BE49-F238E27FC236}">

--- a/assets/lectures/BPW_Lecture_06.pptx
+++ b/assets/lectures/BPW_Lecture_06.pptx
@@ -15,12 +15,15 @@
     <p:sldId id="320" r:id="rId9"/>
     <p:sldId id="321" r:id="rId10"/>
     <p:sldId id="322" r:id="rId11"/>
-    <p:sldId id="311" r:id="rId12"/>
-    <p:sldId id="323" r:id="rId13"/>
-    <p:sldId id="324" r:id="rId14"/>
-    <p:sldId id="325" r:id="rId15"/>
-    <p:sldId id="326" r:id="rId16"/>
-    <p:sldId id="302" r:id="rId17"/>
+    <p:sldId id="327" r:id="rId12"/>
+    <p:sldId id="329" r:id="rId13"/>
+    <p:sldId id="330" r:id="rId14"/>
+    <p:sldId id="328" r:id="rId15"/>
+    <p:sldId id="323" r:id="rId16"/>
+    <p:sldId id="324" r:id="rId17"/>
+    <p:sldId id="325" r:id="rId18"/>
+    <p:sldId id="326" r:id="rId19"/>
+    <p:sldId id="302" r:id="rId20"/>
   </p:sldIdLst>
   <p:sldSz cx="12192000" cy="6858000"/>
   <p:notesSz cx="6858000" cy="9144000"/>
@@ -286,7 +289,7 @@
           <a:p>
             <a:fld id="{F57857CC-207A-4D73-9A20-C856A5068D10}" type="datetimeFigureOut">
               <a:rPr lang="en-US" smtClean="0"/>
-              <a:t>1/2/19</a:t>
+              <a:t>1/12/19</a:t>
             </a:fld>
             <a:endParaRPr lang="en-US"/>
           </a:p>
@@ -484,7 +487,7 @@
           <a:p>
             <a:fld id="{F57857CC-207A-4D73-9A20-C856A5068D10}" type="datetimeFigureOut">
               <a:rPr lang="en-US" smtClean="0"/>
-              <a:t>1/2/19</a:t>
+              <a:t>1/12/19</a:t>
             </a:fld>
             <a:endParaRPr lang="en-US"/>
           </a:p>
@@ -692,7 +695,7 @@
           <a:p>
             <a:fld id="{F57857CC-207A-4D73-9A20-C856A5068D10}" type="datetimeFigureOut">
               <a:rPr lang="en-US" smtClean="0"/>
-              <a:t>1/2/19</a:t>
+              <a:t>1/12/19</a:t>
             </a:fld>
             <a:endParaRPr lang="en-US"/>
           </a:p>
@@ -890,7 +893,7 @@
           <a:p>
             <a:fld id="{F57857CC-207A-4D73-9A20-C856A5068D10}" type="datetimeFigureOut">
               <a:rPr lang="en-US" smtClean="0"/>
-              <a:t>1/2/19</a:t>
+              <a:t>1/12/19</a:t>
             </a:fld>
             <a:endParaRPr lang="en-US"/>
           </a:p>
@@ -1165,7 +1168,7 @@
           <a:p>
             <a:fld id="{F57857CC-207A-4D73-9A20-C856A5068D10}" type="datetimeFigureOut">
               <a:rPr lang="en-US" smtClean="0"/>
-              <a:t>1/2/19</a:t>
+              <a:t>1/12/19</a:t>
             </a:fld>
             <a:endParaRPr lang="en-US"/>
           </a:p>
@@ -1430,7 +1433,7 @@
           <a:p>
             <a:fld id="{F57857CC-207A-4D73-9A20-C856A5068D10}" type="datetimeFigureOut">
               <a:rPr lang="en-US" smtClean="0"/>
-              <a:t>1/2/19</a:t>
+              <a:t>1/12/19</a:t>
             </a:fld>
             <a:endParaRPr lang="en-US"/>
           </a:p>
@@ -1842,7 +1845,7 @@
           <a:p>
             <a:fld id="{F57857CC-207A-4D73-9A20-C856A5068D10}" type="datetimeFigureOut">
               <a:rPr lang="en-US" smtClean="0"/>
-              <a:t>1/2/19</a:t>
+              <a:t>1/12/19</a:t>
             </a:fld>
             <a:endParaRPr lang="en-US"/>
           </a:p>
@@ -1983,7 +1986,7 @@
           <a:p>
             <a:fld id="{F57857CC-207A-4D73-9A20-C856A5068D10}" type="datetimeFigureOut">
               <a:rPr lang="en-US" smtClean="0"/>
-              <a:t>1/2/19</a:t>
+              <a:t>1/12/19</a:t>
             </a:fld>
             <a:endParaRPr lang="en-US"/>
           </a:p>
@@ -2096,7 +2099,7 @@
           <a:p>
             <a:fld id="{F57857CC-207A-4D73-9A20-C856A5068D10}" type="datetimeFigureOut">
               <a:rPr lang="en-US" smtClean="0"/>
-              <a:t>1/2/19</a:t>
+              <a:t>1/12/19</a:t>
             </a:fld>
             <a:endParaRPr lang="en-US"/>
           </a:p>
@@ -2407,7 +2410,7 @@
           <a:p>
             <a:fld id="{F57857CC-207A-4D73-9A20-C856A5068D10}" type="datetimeFigureOut">
               <a:rPr lang="en-US" smtClean="0"/>
-              <a:t>1/2/19</a:t>
+              <a:t>1/12/19</a:t>
             </a:fld>
             <a:endParaRPr lang="en-US"/>
           </a:p>
@@ -2695,7 +2698,7 @@
           <a:p>
             <a:fld id="{F57857CC-207A-4D73-9A20-C856A5068D10}" type="datetimeFigureOut">
               <a:rPr lang="en-US" smtClean="0"/>
-              <a:t>1/2/19</a:t>
+              <a:t>1/12/19</a:t>
             </a:fld>
             <a:endParaRPr lang="en-US"/>
           </a:p>
@@ -2936,7 +2939,7 @@
           <a:p>
             <a:fld id="{F57857CC-207A-4D73-9A20-C856A5068D10}" type="datetimeFigureOut">
               <a:rPr lang="en-US" smtClean="0"/>
-              <a:t>1/2/19</a:t>
+              <a:t>1/12/19</a:t>
             </a:fld>
             <a:endParaRPr lang="en-US"/>
           </a:p>
@@ -4726,8 +4729,8 @@
         </p:nvSpPr>
         <p:spPr>
           <a:xfrm>
-            <a:off x="340241" y="4044216"/>
-            <a:ext cx="9976267" cy="2018694"/>
+            <a:off x="340241" y="2989139"/>
+            <a:ext cx="9976267" cy="3034357"/>
           </a:xfrm>
           <a:prstGeom prst="rect">
             <a:avLst/>
@@ -4748,7 +4751,7 @@
               <a:buChar char="•"/>
             </a:pPr>
             <a:r>
-              <a:rPr lang="en-US" sz="4400" strike="sngStrike" dirty="0">
+              <a:rPr lang="en-US" sz="4400" dirty="0">
                 <a:solidFill>
                   <a:schemeClr val="bg1">
                     <a:lumMod val="65000"/>
@@ -4768,6 +4771,25 @@
             </a:pPr>
             <a:r>
               <a:rPr lang="en-US" sz="4400" dirty="0"/>
+              <a:t> CSS Variables</a:t>
+            </a:r>
+          </a:p>
+          <a:p>
+            <a:pPr marL="285750" indent="-285750">
+              <a:lnSpc>
+                <a:spcPct val="150000"/>
+              </a:lnSpc>
+              <a:buFont typeface="Arial" panose="020B0604020202020204" pitchFamily="34" charset="0"/>
+              <a:buChar char="•"/>
+            </a:pPr>
+            <a:r>
+              <a:rPr lang="en-US" sz="4400" dirty="0">
+                <a:solidFill>
+                  <a:schemeClr val="bg1">
+                    <a:lumMod val="65000"/>
+                  </a:schemeClr>
+                </a:solidFill>
+              </a:rPr>
               <a:t> Basic Interactions: A CSS Approach</a:t>
             </a:r>
           </a:p>
@@ -4776,7 +4798,7 @@
     </p:spTree>
     <p:extLst>
       <p:ext uri="{BB962C8B-B14F-4D97-AF65-F5344CB8AC3E}">
-        <p14:creationId xmlns:p14="http://schemas.microsoft.com/office/powerpoint/2010/main" val="2985402947"/>
+        <p14:creationId xmlns:p14="http://schemas.microsoft.com/office/powerpoint/2010/main" val="2661139095"/>
       </p:ext>
     </p:extLst>
   </p:cSld>
@@ -5028,7 +5050,7 @@
             </a:pPr>
             <a:r>
               <a:rPr lang="en-US" sz="4400" dirty="0"/>
-              <a:t>Basic Interactions</a:t>
+              <a:t>Declaring Variables</a:t>
             </a:r>
           </a:p>
         </p:txBody>
@@ -5074,10 +5096,10 @@
       </p:cxnSp>
       <p:sp>
         <p:nvSpPr>
-          <p:cNvPr id="17" name="Rectangle 16">
-            <a:extLst>
-              <a:ext uri="{FF2B5EF4-FFF2-40B4-BE49-F238E27FC236}">
-                <a16:creationId xmlns:a16="http://schemas.microsoft.com/office/drawing/2014/main" id="{2209F7D9-433B-4B4A-9691-776CB39AA760}"/>
+          <p:cNvPr id="10" name="Rectangle 9">
+            <a:extLst>
+              <a:ext uri="{FF2B5EF4-FFF2-40B4-BE49-F238E27FC236}">
+                <a16:creationId xmlns:a16="http://schemas.microsoft.com/office/drawing/2014/main" id="{A5F5D978-E36A-BA4F-9A45-F97C174FAB31}"/>
               </a:ext>
             </a:extLst>
           </p:cNvPr>
@@ -5086,8 +5108,8 @@
         </p:nvSpPr>
         <p:spPr>
           <a:xfrm>
-            <a:off x="675523" y="1773065"/>
-            <a:ext cx="10792047" cy="630278"/>
+            <a:off x="675523" y="1773064"/>
+            <a:ext cx="10792047" cy="1003025"/>
           </a:xfrm>
           <a:prstGeom prst="rect">
             <a:avLst/>
@@ -5131,7 +5153,41 @@
                   <a:schemeClr val="accent1"/>
                 </a:solidFill>
               </a:rPr>
-              <a:t>	.</a:t>
+              <a:t>	</a:t>
+            </a:r>
+            <a:r>
+              <a:rPr lang="en-US" dirty="0">
+                <a:solidFill>
+                  <a:srgbClr val="00B050"/>
+                </a:solidFill>
+              </a:rPr>
+              <a:t>:root</a:t>
+            </a:r>
+            <a:r>
+              <a:rPr lang="en-US" dirty="0">
+                <a:solidFill>
+                  <a:schemeClr val="accent1"/>
+                </a:solidFill>
+              </a:rPr>
+              <a:t> </a:t>
+            </a:r>
+            <a:r>
+              <a:rPr lang="en-US" dirty="0">
+                <a:solidFill>
+                  <a:schemeClr val="tx1"/>
+                </a:solidFill>
+              </a:rPr>
+              <a:t>{</a:t>
+            </a:r>
+          </a:p>
+          <a:p>
+            <a:r>
+              <a:rPr lang="en-US" dirty="0">
+                <a:solidFill>
+                  <a:schemeClr val="accent1"/>
+                </a:solidFill>
+              </a:rPr>
+              <a:t>	           --</a:t>
             </a:r>
             <a:r>
               <a:rPr lang="en-US" dirty="0" err="1">
@@ -5139,22 +5195,59 @@
                   <a:schemeClr val="accent1"/>
                 </a:solidFill>
               </a:rPr>
-              <a:t>element:hover</a:t>
-            </a:r>
-            <a:endParaRPr lang="en-US" dirty="0">
-              <a:solidFill>
-                <a:schemeClr val="accent1"/>
-              </a:solidFill>
-            </a:endParaRPr>
-          </a:p>
-        </p:txBody>
-      </p:sp>
-      <p:sp>
-        <p:nvSpPr>
-          <p:cNvPr id="20" name="TextBox 19">
-            <a:extLst>
-              <a:ext uri="{FF2B5EF4-FFF2-40B4-BE49-F238E27FC236}">
-                <a16:creationId xmlns:a16="http://schemas.microsoft.com/office/drawing/2014/main" id="{E27895EA-60DE-FE47-AC24-5A9718F3DB77}"/>
+              <a:t>var</a:t>
+            </a:r>
+            <a:r>
+              <a:rPr lang="en-US" dirty="0">
+                <a:solidFill>
+                  <a:schemeClr val="accent1"/>
+                </a:solidFill>
+              </a:rPr>
+              <a:t>-name: </a:t>
+            </a:r>
+            <a:r>
+              <a:rPr lang="en-US" i="1" dirty="0">
+                <a:solidFill>
+                  <a:schemeClr val="accent1"/>
+                </a:solidFill>
+              </a:rPr>
+              <a:t>property</a:t>
+            </a:r>
+            <a:r>
+              <a:rPr lang="en-US" dirty="0">
+                <a:solidFill>
+                  <a:schemeClr val="accent1"/>
+                </a:solidFill>
+              </a:rPr>
+              <a:t>;</a:t>
+            </a:r>
+          </a:p>
+          <a:p>
+            <a:r>
+              <a:rPr lang="en-US" dirty="0">
+                <a:solidFill>
+                  <a:schemeClr val="accent1"/>
+                </a:solidFill>
+              </a:rPr>
+              <a:t>	</a:t>
+            </a:r>
+            <a:r>
+              <a:rPr lang="en-US" dirty="0">
+                <a:solidFill>
+                  <a:schemeClr val="tx1"/>
+                </a:solidFill>
+              </a:rPr>
+              <a:t>}</a:t>
+            </a:r>
+          </a:p>
+        </p:txBody>
+      </p:sp>
+      <p:sp>
+        <p:nvSpPr>
+          <p:cNvPr id="13" name="TextBox 12">
+            <a:extLst>
+              <a:ext uri="{FF2B5EF4-FFF2-40B4-BE49-F238E27FC236}">
+                <a16:creationId xmlns:a16="http://schemas.microsoft.com/office/drawing/2014/main" id="{8D059F62-0FBF-1B47-9D3A-0A7683D8480D}"/>
               </a:ext>
             </a:extLst>
           </p:cNvPr>
@@ -5164,7 +5257,7 @@
         <p:spPr>
           <a:xfrm>
             <a:off x="614911" y="1273243"/>
-            <a:ext cx="4802981" cy="400110"/>
+            <a:ext cx="3812197" cy="400110"/>
           </a:xfrm>
           <a:prstGeom prst="rect">
             <a:avLst/>
@@ -5179,68 +5272,17 @@
           <a:p>
             <a:r>
               <a:rPr lang="en-US" sz="2000" dirty="0"/>
-              <a:t>Activated when cursor </a:t>
-            </a:r>
-            <a:r>
-              <a:rPr lang="en-US" sz="2000" b="1" dirty="0"/>
-              <a:t>hovers</a:t>
-            </a:r>
-            <a:r>
-              <a:rPr lang="en-US" sz="2000" dirty="0"/>
-              <a:t> over element.</a:t>
-            </a:r>
-          </a:p>
-        </p:txBody>
-      </p:sp>
-      <p:sp>
-        <p:nvSpPr>
-          <p:cNvPr id="22" name="TextBox 21">
-            <a:extLst>
-              <a:ext uri="{FF2B5EF4-FFF2-40B4-BE49-F238E27FC236}">
-                <a16:creationId xmlns:a16="http://schemas.microsoft.com/office/drawing/2014/main" id="{04EE3551-DA9E-4245-9347-A4832722605A}"/>
-              </a:ext>
-            </a:extLst>
-          </p:cNvPr>
-          <p:cNvSpPr txBox="1"/>
-          <p:nvPr/>
-        </p:nvSpPr>
-        <p:spPr>
-          <a:xfrm>
-            <a:off x="614911" y="2519483"/>
-            <a:ext cx="5386283" cy="400110"/>
-          </a:xfrm>
-          <a:prstGeom prst="rect">
-            <a:avLst/>
-          </a:prstGeom>
-          <a:noFill/>
-        </p:spPr>
-        <p:txBody>
-          <a:bodyPr wrap="none" rtlCol="0">
-            <a:spAutoFit/>
-          </a:bodyPr>
-          <a:lstStyle/>
-          <a:p>
-            <a:r>
-              <a:rPr lang="en-US" sz="2000" dirty="0"/>
-              <a:t>Activated when cursor </a:t>
-            </a:r>
-            <a:r>
-              <a:rPr lang="en-US" sz="2000" b="1" dirty="0"/>
-              <a:t>clicks (and holds)</a:t>
-            </a:r>
-            <a:r>
-              <a:rPr lang="en-US" sz="2000" dirty="0"/>
-              <a:t> element.</a:t>
-            </a:r>
-          </a:p>
-        </p:txBody>
-      </p:sp>
-      <p:sp>
-        <p:nvSpPr>
-          <p:cNvPr id="23" name="Rectangle 22">
-            <a:extLst>
-              <a:ext uri="{FF2B5EF4-FFF2-40B4-BE49-F238E27FC236}">
-                <a16:creationId xmlns:a16="http://schemas.microsoft.com/office/drawing/2014/main" id="{6841E864-8DC3-3146-A8EA-3B0E1AEB6DB8}"/>
+              <a:t>Declare variables in the :root class:</a:t>
+            </a:r>
+          </a:p>
+        </p:txBody>
+      </p:sp>
+      <p:sp>
+        <p:nvSpPr>
+          <p:cNvPr id="14" name="Rectangle 13">
+            <a:extLst>
+              <a:ext uri="{FF2B5EF4-FFF2-40B4-BE49-F238E27FC236}">
+                <a16:creationId xmlns:a16="http://schemas.microsoft.com/office/drawing/2014/main" id="{3431EB77-3598-0948-A6DF-25F53678FBBF}"/>
               </a:ext>
             </a:extLst>
           </p:cNvPr>
@@ -5249,8 +5291,8 @@
         </p:nvSpPr>
         <p:spPr>
           <a:xfrm>
-            <a:off x="675523" y="3083018"/>
-            <a:ext cx="10792047" cy="630278"/>
+            <a:off x="675523" y="3535488"/>
+            <a:ext cx="10792047" cy="1003025"/>
           </a:xfrm>
           <a:prstGeom prst="rect">
             <a:avLst/>
@@ -5294,6 +5336,1788 @@
                   <a:schemeClr val="accent1"/>
                 </a:solidFill>
               </a:rPr>
+              <a:t>	</a:t>
+            </a:r>
+            <a:r>
+              <a:rPr lang="en-US" dirty="0">
+                <a:solidFill>
+                  <a:schemeClr val="accent2"/>
+                </a:solidFill>
+              </a:rPr>
+              <a:t>.cool-variable-class </a:t>
+            </a:r>
+            <a:r>
+              <a:rPr lang="en-US" dirty="0">
+                <a:solidFill>
+                  <a:schemeClr val="tx1"/>
+                </a:solidFill>
+              </a:rPr>
+              <a:t>{</a:t>
+            </a:r>
+          </a:p>
+          <a:p>
+            <a:r>
+              <a:rPr lang="en-US" dirty="0">
+                <a:solidFill>
+                  <a:schemeClr val="accent1"/>
+                </a:solidFill>
+              </a:rPr>
+              <a:t>	           color</a:t>
+            </a:r>
+            <a:r>
+              <a:rPr lang="en-US" i="1" dirty="0">
+                <a:solidFill>
+                  <a:schemeClr val="accent1"/>
+                </a:solidFill>
+              </a:rPr>
+              <a:t>: </a:t>
+            </a:r>
+            <a:r>
+              <a:rPr lang="en-US" dirty="0" err="1">
+                <a:solidFill>
+                  <a:schemeClr val="accent1"/>
+                </a:solidFill>
+              </a:rPr>
+              <a:t>var</a:t>
+            </a:r>
+            <a:r>
+              <a:rPr lang="en-US" dirty="0">
+                <a:solidFill>
+                  <a:schemeClr val="accent1"/>
+                </a:solidFill>
+              </a:rPr>
+              <a:t>(</a:t>
+            </a:r>
+            <a:r>
+              <a:rPr lang="en-US" i="1" dirty="0">
+                <a:solidFill>
+                  <a:schemeClr val="accent1"/>
+                </a:solidFill>
+              </a:rPr>
+              <a:t>--</a:t>
+            </a:r>
+            <a:r>
+              <a:rPr lang="en-US" i="1" dirty="0" err="1">
+                <a:solidFill>
+                  <a:schemeClr val="accent1"/>
+                </a:solidFill>
+              </a:rPr>
+              <a:t>var</a:t>
+            </a:r>
+            <a:r>
+              <a:rPr lang="en-US" i="1" dirty="0">
+                <a:solidFill>
+                  <a:schemeClr val="accent1"/>
+                </a:solidFill>
+              </a:rPr>
+              <a:t>-name</a:t>
+            </a:r>
+            <a:r>
+              <a:rPr lang="en-US" dirty="0">
+                <a:solidFill>
+                  <a:schemeClr val="accent1"/>
+                </a:solidFill>
+              </a:rPr>
+              <a:t>);</a:t>
+            </a:r>
+          </a:p>
+          <a:p>
+            <a:r>
+              <a:rPr lang="en-US" dirty="0">
+                <a:solidFill>
+                  <a:schemeClr val="accent1"/>
+                </a:solidFill>
+              </a:rPr>
+              <a:t>	</a:t>
+            </a:r>
+            <a:r>
+              <a:rPr lang="en-US" dirty="0">
+                <a:solidFill>
+                  <a:schemeClr val="tx1"/>
+                </a:solidFill>
+              </a:rPr>
+              <a:t>}</a:t>
+            </a:r>
+          </a:p>
+        </p:txBody>
+      </p:sp>
+      <p:sp>
+        <p:nvSpPr>
+          <p:cNvPr id="15" name="TextBox 14">
+            <a:extLst>
+              <a:ext uri="{FF2B5EF4-FFF2-40B4-BE49-F238E27FC236}">
+                <a16:creationId xmlns:a16="http://schemas.microsoft.com/office/drawing/2014/main" id="{A26F7E61-4F8C-1047-BF75-3D508414B270}"/>
+              </a:ext>
+            </a:extLst>
+          </p:cNvPr>
+          <p:cNvSpPr txBox="1"/>
+          <p:nvPr/>
+        </p:nvSpPr>
+        <p:spPr>
+          <a:xfrm>
+            <a:off x="614911" y="3035667"/>
+            <a:ext cx="3490571" cy="400110"/>
+          </a:xfrm>
+          <a:prstGeom prst="rect">
+            <a:avLst/>
+          </a:prstGeom>
+          <a:noFill/>
+        </p:spPr>
+        <p:txBody>
+          <a:bodyPr wrap="none" rtlCol="0">
+            <a:spAutoFit/>
+          </a:bodyPr>
+          <a:lstStyle/>
+          <a:p>
+            <a:r>
+              <a:rPr lang="en-US" sz="2000" dirty="0"/>
+              <a:t>Reference variables in main </a:t>
+            </a:r>
+            <a:r>
+              <a:rPr lang="en-US" sz="2000" dirty="0" err="1"/>
+              <a:t>css</a:t>
+            </a:r>
+            <a:r>
+              <a:rPr lang="en-US" sz="2000" dirty="0"/>
+              <a:t>:</a:t>
+            </a:r>
+          </a:p>
+        </p:txBody>
+      </p:sp>
+    </p:spTree>
+    <p:extLst>
+      <p:ext uri="{BB962C8B-B14F-4D97-AF65-F5344CB8AC3E}">
+        <p14:creationId xmlns:p14="http://schemas.microsoft.com/office/powerpoint/2010/main" val="4004217339"/>
+      </p:ext>
+    </p:extLst>
+  </p:cSld>
+  <p:clrMapOvr>
+    <a:masterClrMapping/>
+  </p:clrMapOvr>
+</p:sld>
+</file>
+
+<file path=ppt/slides/slide13.xml><?xml version="1.0" encoding="utf-8"?>
+<p:sld xmlns:a="http://schemas.openxmlformats.org/drawingml/2006/main" xmlns:r="http://schemas.openxmlformats.org/officeDocument/2006/relationships" xmlns:p="http://schemas.openxmlformats.org/presentationml/2006/main">
+  <p:cSld>
+    <p:bg>
+      <p:bgPr>
+        <a:solidFill>
+          <a:schemeClr val="bg2"/>
+        </a:solidFill>
+        <a:effectLst/>
+      </p:bgPr>
+    </p:bg>
+    <p:spTree>
+      <p:nvGrpSpPr>
+        <p:cNvPr id="1" name=""/>
+        <p:cNvGrpSpPr/>
+        <p:nvPr/>
+      </p:nvGrpSpPr>
+      <p:grpSpPr>
+        <a:xfrm>
+          <a:off x="0" y="0"/>
+          <a:ext cx="0" cy="0"/>
+          <a:chOff x="0" y="0"/>
+          <a:chExt cx="0" cy="0"/>
+        </a:xfrm>
+      </p:grpSpPr>
+      <p:sp>
+        <p:nvSpPr>
+          <p:cNvPr id="4" name="Rectangle 3">
+            <a:extLst>
+              <a:ext uri="{FF2B5EF4-FFF2-40B4-BE49-F238E27FC236}">
+                <a16:creationId xmlns:a16="http://schemas.microsoft.com/office/drawing/2014/main" id="{678F1DA2-2833-49FF-9287-44720AC6C8D2}"/>
+              </a:ext>
+            </a:extLst>
+          </p:cNvPr>
+          <p:cNvSpPr/>
+          <p:nvPr/>
+        </p:nvSpPr>
+        <p:spPr>
+          <a:xfrm>
+            <a:off x="0" y="6581001"/>
+            <a:ext cx="9976268" cy="276999"/>
+          </a:xfrm>
+          <a:prstGeom prst="rect">
+            <a:avLst/>
+          </a:prstGeom>
+          <a:solidFill>
+            <a:srgbClr val="92D050"/>
+          </a:solidFill>
+          <a:ln>
+            <a:noFill/>
+          </a:ln>
+        </p:spPr>
+        <p:style>
+          <a:lnRef idx="2">
+            <a:schemeClr val="accent1">
+              <a:shade val="50000"/>
+            </a:schemeClr>
+          </a:lnRef>
+          <a:fillRef idx="1">
+            <a:schemeClr val="accent1"/>
+          </a:fillRef>
+          <a:effectRef idx="0">
+            <a:schemeClr val="accent1"/>
+          </a:effectRef>
+          <a:fontRef idx="minor">
+            <a:schemeClr val="lt1"/>
+          </a:fontRef>
+        </p:style>
+        <p:txBody>
+          <a:bodyPr rtlCol="0" anchor="ctr"/>
+          <a:lstStyle/>
+          <a:p>
+            <a:pPr algn="ctr"/>
+            <a:endParaRPr lang="en-US" dirty="0"/>
+          </a:p>
+        </p:txBody>
+      </p:sp>
+      <p:sp>
+        <p:nvSpPr>
+          <p:cNvPr id="5" name="TextBox 4">
+            <a:extLst>
+              <a:ext uri="{FF2B5EF4-FFF2-40B4-BE49-F238E27FC236}">
+                <a16:creationId xmlns:a16="http://schemas.microsoft.com/office/drawing/2014/main" id="{9758F7A4-2143-4CCD-B8B3-8B4A1461ECF9}"/>
+              </a:ext>
+            </a:extLst>
+          </p:cNvPr>
+          <p:cNvSpPr txBox="1"/>
+          <p:nvPr/>
+        </p:nvSpPr>
+        <p:spPr>
+          <a:xfrm>
+            <a:off x="36674" y="6583215"/>
+            <a:ext cx="2682077" cy="276999"/>
+          </a:xfrm>
+          <a:prstGeom prst="rect">
+            <a:avLst/>
+          </a:prstGeom>
+          <a:noFill/>
+        </p:spPr>
+        <p:txBody>
+          <a:bodyPr wrap="square" rtlCol="0">
+            <a:spAutoFit/>
+          </a:bodyPr>
+          <a:lstStyle/>
+          <a:p>
+            <a:r>
+              <a:rPr lang="en-US" sz="1200" dirty="0">
+                <a:solidFill>
+                  <a:schemeClr val="bg1"/>
+                </a:solidFill>
+              </a:rPr>
+              <a:t>Building Personal Websites</a:t>
+            </a:r>
+          </a:p>
+        </p:txBody>
+      </p:sp>
+      <p:sp>
+        <p:nvSpPr>
+          <p:cNvPr id="6" name="Rectangle 5">
+            <a:extLst>
+              <a:ext uri="{FF2B5EF4-FFF2-40B4-BE49-F238E27FC236}">
+                <a16:creationId xmlns:a16="http://schemas.microsoft.com/office/drawing/2014/main" id="{40845236-8634-4353-BA0D-8817FE36EC7A}"/>
+              </a:ext>
+            </a:extLst>
+          </p:cNvPr>
+          <p:cNvSpPr/>
+          <p:nvPr/>
+        </p:nvSpPr>
+        <p:spPr>
+          <a:xfrm>
+            <a:off x="9921514" y="6581001"/>
+            <a:ext cx="2270485" cy="276999"/>
+          </a:xfrm>
+          <a:prstGeom prst="rect">
+            <a:avLst/>
+          </a:prstGeom>
+          <a:solidFill>
+            <a:srgbClr val="00B0F0"/>
+          </a:solidFill>
+          <a:ln>
+            <a:noFill/>
+          </a:ln>
+        </p:spPr>
+        <p:style>
+          <a:lnRef idx="2">
+            <a:schemeClr val="accent1">
+              <a:shade val="50000"/>
+            </a:schemeClr>
+          </a:lnRef>
+          <a:fillRef idx="1">
+            <a:schemeClr val="accent1"/>
+          </a:fillRef>
+          <a:effectRef idx="0">
+            <a:schemeClr val="accent1"/>
+          </a:effectRef>
+          <a:fontRef idx="minor">
+            <a:schemeClr val="lt1"/>
+          </a:fontRef>
+        </p:style>
+        <p:txBody>
+          <a:bodyPr rtlCol="0" anchor="ctr"/>
+          <a:lstStyle/>
+          <a:p>
+            <a:pPr algn="ctr"/>
+            <a:endParaRPr lang="en-US" dirty="0"/>
+          </a:p>
+        </p:txBody>
+      </p:sp>
+      <p:sp>
+        <p:nvSpPr>
+          <p:cNvPr id="8" name="TextBox 7">
+            <a:extLst>
+              <a:ext uri="{FF2B5EF4-FFF2-40B4-BE49-F238E27FC236}">
+                <a16:creationId xmlns:a16="http://schemas.microsoft.com/office/drawing/2014/main" id="{6403EA4A-E7EB-4525-B0D2-13B3997D5780}"/>
+              </a:ext>
+            </a:extLst>
+          </p:cNvPr>
+          <p:cNvSpPr txBox="1"/>
+          <p:nvPr/>
+        </p:nvSpPr>
+        <p:spPr>
+          <a:xfrm>
+            <a:off x="9958188" y="6578787"/>
+            <a:ext cx="2682077" cy="276999"/>
+          </a:xfrm>
+          <a:prstGeom prst="rect">
+            <a:avLst/>
+          </a:prstGeom>
+          <a:noFill/>
+        </p:spPr>
+        <p:txBody>
+          <a:bodyPr wrap="square" rtlCol="0">
+            <a:spAutoFit/>
+          </a:bodyPr>
+          <a:lstStyle/>
+          <a:p>
+            <a:r>
+              <a:rPr lang="en-US" sz="1200" dirty="0">
+                <a:solidFill>
+                  <a:schemeClr val="bg1"/>
+                </a:solidFill>
+              </a:rPr>
+              <a:t>Lecture 06 | Interactive Elements</a:t>
+            </a:r>
+          </a:p>
+        </p:txBody>
+      </p:sp>
+      <p:sp>
+        <p:nvSpPr>
+          <p:cNvPr id="11" name="TextBox 10">
+            <a:extLst>
+              <a:ext uri="{FF2B5EF4-FFF2-40B4-BE49-F238E27FC236}">
+                <a16:creationId xmlns:a16="http://schemas.microsoft.com/office/drawing/2014/main" id="{BA222DD1-D57D-884C-B7EE-F4083CF38CD7}"/>
+              </a:ext>
+            </a:extLst>
+          </p:cNvPr>
+          <p:cNvSpPr txBox="1"/>
+          <p:nvPr/>
+        </p:nvSpPr>
+        <p:spPr>
+          <a:xfrm>
+            <a:off x="3068560" y="10633"/>
+            <a:ext cx="5744777" cy="1003031"/>
+          </a:xfrm>
+          <a:prstGeom prst="rect">
+            <a:avLst/>
+          </a:prstGeom>
+          <a:noFill/>
+        </p:spPr>
+        <p:txBody>
+          <a:bodyPr wrap="square" rtlCol="0">
+            <a:spAutoFit/>
+          </a:bodyPr>
+          <a:lstStyle/>
+          <a:p>
+            <a:pPr algn="ctr">
+              <a:lnSpc>
+                <a:spcPct val="150000"/>
+              </a:lnSpc>
+            </a:pPr>
+            <a:r>
+              <a:rPr lang="en-US" sz="4400" dirty="0"/>
+              <a:t>Variables Usage</a:t>
+            </a:r>
+          </a:p>
+        </p:txBody>
+      </p:sp>
+      <p:cxnSp>
+        <p:nvCxnSpPr>
+          <p:cNvPr id="12" name="Straight Connector 11">
+            <a:extLst>
+              <a:ext uri="{FF2B5EF4-FFF2-40B4-BE49-F238E27FC236}">
+                <a16:creationId xmlns:a16="http://schemas.microsoft.com/office/drawing/2014/main" id="{D2C17335-66F8-9B4C-8EB9-3B8FF6EFF0FE}"/>
+              </a:ext>
+            </a:extLst>
+          </p:cNvPr>
+          <p:cNvCxnSpPr>
+            <a:cxnSpLocks/>
+          </p:cNvCxnSpPr>
+          <p:nvPr/>
+        </p:nvCxnSpPr>
+        <p:spPr>
+          <a:xfrm>
+            <a:off x="5730956" y="1013664"/>
+            <a:ext cx="419986" cy="0"/>
+          </a:xfrm>
+          <a:prstGeom prst="line">
+            <a:avLst/>
+          </a:prstGeom>
+          <a:ln w="28575"/>
+        </p:spPr>
+        <p:style>
+          <a:lnRef idx="1">
+            <a:schemeClr val="dk1"/>
+          </a:lnRef>
+          <a:fillRef idx="0">
+            <a:schemeClr val="dk1"/>
+          </a:fillRef>
+          <a:effectRef idx="0">
+            <a:schemeClr val="dk1"/>
+          </a:effectRef>
+          <a:fontRef idx="minor">
+            <a:schemeClr val="tx1"/>
+          </a:fontRef>
+        </p:style>
+      </p:cxnSp>
+      <p:sp>
+        <p:nvSpPr>
+          <p:cNvPr id="10" name="Rectangle 9">
+            <a:extLst>
+              <a:ext uri="{FF2B5EF4-FFF2-40B4-BE49-F238E27FC236}">
+                <a16:creationId xmlns:a16="http://schemas.microsoft.com/office/drawing/2014/main" id="{A5F5D978-E36A-BA4F-9A45-F97C174FAB31}"/>
+              </a:ext>
+            </a:extLst>
+          </p:cNvPr>
+          <p:cNvSpPr/>
+          <p:nvPr/>
+        </p:nvSpPr>
+        <p:spPr>
+          <a:xfrm>
+            <a:off x="675523" y="1773064"/>
+            <a:ext cx="10792047" cy="1003025"/>
+          </a:xfrm>
+          <a:prstGeom prst="rect">
+            <a:avLst/>
+          </a:prstGeom>
+          <a:solidFill>
+            <a:schemeClr val="bg1">
+              <a:lumMod val="95000"/>
+            </a:schemeClr>
+          </a:solidFill>
+          <a:ln w="3175">
+            <a:solidFill>
+              <a:schemeClr val="bg1">
+                <a:lumMod val="85000"/>
+              </a:schemeClr>
+            </a:solidFill>
+          </a:ln>
+        </p:spPr>
+        <p:style>
+          <a:lnRef idx="2">
+            <a:schemeClr val="accent1">
+              <a:shade val="50000"/>
+            </a:schemeClr>
+          </a:lnRef>
+          <a:fillRef idx="1">
+            <a:schemeClr val="accent1"/>
+          </a:fillRef>
+          <a:effectRef idx="0">
+            <a:schemeClr val="accent1"/>
+          </a:effectRef>
+          <a:fontRef idx="minor">
+            <a:schemeClr val="lt1"/>
+          </a:fontRef>
+        </p:style>
+        <p:txBody>
+          <a:bodyPr rtlCol="0" anchor="ctr"/>
+          <a:lstStyle/>
+          <a:p>
+            <a:r>
+              <a:rPr lang="en-US" dirty="0">
+                <a:solidFill>
+                  <a:schemeClr val="accent1"/>
+                </a:solidFill>
+              </a:rPr>
+              <a:t>	</a:t>
+            </a:r>
+            <a:r>
+              <a:rPr lang="en-US" dirty="0">
+                <a:solidFill>
+                  <a:srgbClr val="00B050"/>
+                </a:solidFill>
+              </a:rPr>
+              <a:t>:root</a:t>
+            </a:r>
+            <a:r>
+              <a:rPr lang="en-US" dirty="0">
+                <a:solidFill>
+                  <a:schemeClr val="accent1"/>
+                </a:solidFill>
+              </a:rPr>
+              <a:t> </a:t>
+            </a:r>
+            <a:r>
+              <a:rPr lang="en-US" dirty="0">
+                <a:solidFill>
+                  <a:schemeClr val="tx1"/>
+                </a:solidFill>
+              </a:rPr>
+              <a:t>{</a:t>
+            </a:r>
+          </a:p>
+          <a:p>
+            <a:r>
+              <a:rPr lang="en-US" dirty="0">
+                <a:solidFill>
+                  <a:schemeClr val="accent1"/>
+                </a:solidFill>
+              </a:rPr>
+              <a:t>	           --grey: #7a7a7a;</a:t>
+            </a:r>
+          </a:p>
+          <a:p>
+            <a:r>
+              <a:rPr lang="en-US" dirty="0">
+                <a:solidFill>
+                  <a:schemeClr val="accent1"/>
+                </a:solidFill>
+              </a:rPr>
+              <a:t>	</a:t>
+            </a:r>
+            <a:r>
+              <a:rPr lang="en-US" dirty="0">
+                <a:solidFill>
+                  <a:schemeClr val="tx1"/>
+                </a:solidFill>
+              </a:rPr>
+              <a:t>}</a:t>
+            </a:r>
+          </a:p>
+        </p:txBody>
+      </p:sp>
+      <p:sp>
+        <p:nvSpPr>
+          <p:cNvPr id="13" name="TextBox 12">
+            <a:extLst>
+              <a:ext uri="{FF2B5EF4-FFF2-40B4-BE49-F238E27FC236}">
+                <a16:creationId xmlns:a16="http://schemas.microsoft.com/office/drawing/2014/main" id="{8D059F62-0FBF-1B47-9D3A-0A7683D8480D}"/>
+              </a:ext>
+            </a:extLst>
+          </p:cNvPr>
+          <p:cNvSpPr txBox="1"/>
+          <p:nvPr/>
+        </p:nvSpPr>
+        <p:spPr>
+          <a:xfrm>
+            <a:off x="614911" y="1273243"/>
+            <a:ext cx="3955122" cy="400110"/>
+          </a:xfrm>
+          <a:prstGeom prst="rect">
+            <a:avLst/>
+          </a:prstGeom>
+          <a:noFill/>
+        </p:spPr>
+        <p:txBody>
+          <a:bodyPr wrap="none" rtlCol="0">
+            <a:spAutoFit/>
+          </a:bodyPr>
+          <a:lstStyle/>
+          <a:p>
+            <a:r>
+              <a:rPr lang="en-US" sz="2000" dirty="0"/>
+              <a:t>When we declare a variable initially:</a:t>
+            </a:r>
+          </a:p>
+        </p:txBody>
+      </p:sp>
+      <p:sp>
+        <p:nvSpPr>
+          <p:cNvPr id="14" name="Rectangle 13">
+            <a:extLst>
+              <a:ext uri="{FF2B5EF4-FFF2-40B4-BE49-F238E27FC236}">
+                <a16:creationId xmlns:a16="http://schemas.microsoft.com/office/drawing/2014/main" id="{3431EB77-3598-0948-A6DF-25F53678FBBF}"/>
+              </a:ext>
+            </a:extLst>
+          </p:cNvPr>
+          <p:cNvSpPr/>
+          <p:nvPr/>
+        </p:nvSpPr>
+        <p:spPr>
+          <a:xfrm>
+            <a:off x="675523" y="3429981"/>
+            <a:ext cx="10792047" cy="2173650"/>
+          </a:xfrm>
+          <a:prstGeom prst="rect">
+            <a:avLst/>
+          </a:prstGeom>
+          <a:solidFill>
+            <a:schemeClr val="bg1">
+              <a:lumMod val="95000"/>
+            </a:schemeClr>
+          </a:solidFill>
+          <a:ln w="3175">
+            <a:solidFill>
+              <a:schemeClr val="bg1">
+                <a:lumMod val="85000"/>
+              </a:schemeClr>
+            </a:solidFill>
+          </a:ln>
+        </p:spPr>
+        <p:style>
+          <a:lnRef idx="2">
+            <a:schemeClr val="accent1">
+              <a:shade val="50000"/>
+            </a:schemeClr>
+          </a:lnRef>
+          <a:fillRef idx="1">
+            <a:schemeClr val="accent1"/>
+          </a:fillRef>
+          <a:effectRef idx="0">
+            <a:schemeClr val="accent1"/>
+          </a:effectRef>
+          <a:fontRef idx="minor">
+            <a:schemeClr val="lt1"/>
+          </a:fontRef>
+        </p:style>
+        <p:txBody>
+          <a:bodyPr rtlCol="0" anchor="ctr"/>
+          <a:lstStyle/>
+          <a:p>
+            <a:r>
+              <a:rPr lang="en-US" dirty="0">
+                <a:solidFill>
+                  <a:schemeClr val="accent1"/>
+                </a:solidFill>
+              </a:rPr>
+              <a:t>	</a:t>
+            </a:r>
+            <a:r>
+              <a:rPr lang="en-US" dirty="0">
+                <a:solidFill>
+                  <a:schemeClr val="accent2"/>
+                </a:solidFill>
+              </a:rPr>
+              <a:t>.cool-variable-class </a:t>
+            </a:r>
+            <a:r>
+              <a:rPr lang="en-US" dirty="0">
+                <a:solidFill>
+                  <a:schemeClr val="tx1"/>
+                </a:solidFill>
+              </a:rPr>
+              <a:t>{</a:t>
+            </a:r>
+          </a:p>
+          <a:p>
+            <a:r>
+              <a:rPr lang="en-US" dirty="0">
+                <a:solidFill>
+                  <a:schemeClr val="accent1"/>
+                </a:solidFill>
+              </a:rPr>
+              <a:t>	           color</a:t>
+            </a:r>
+            <a:r>
+              <a:rPr lang="en-US" i="1" dirty="0">
+                <a:solidFill>
+                  <a:schemeClr val="accent1"/>
+                </a:solidFill>
+              </a:rPr>
+              <a:t>: </a:t>
+            </a:r>
+            <a:r>
+              <a:rPr lang="en-US" dirty="0" err="1">
+                <a:solidFill>
+                  <a:schemeClr val="accent1"/>
+                </a:solidFill>
+              </a:rPr>
+              <a:t>var</a:t>
+            </a:r>
+            <a:r>
+              <a:rPr lang="en-US" dirty="0">
+                <a:solidFill>
+                  <a:schemeClr val="accent1"/>
+                </a:solidFill>
+              </a:rPr>
+              <a:t>(--grey);</a:t>
+            </a:r>
+          </a:p>
+          <a:p>
+            <a:r>
+              <a:rPr lang="en-US" dirty="0">
+                <a:solidFill>
+                  <a:schemeClr val="accent1"/>
+                </a:solidFill>
+              </a:rPr>
+              <a:t>	</a:t>
+            </a:r>
+            <a:r>
+              <a:rPr lang="en-US" dirty="0">
+                <a:solidFill>
+                  <a:schemeClr val="tx1"/>
+                </a:solidFill>
+              </a:rPr>
+              <a:t>}</a:t>
+            </a:r>
+          </a:p>
+          <a:p>
+            <a:endParaRPr lang="en-US" dirty="0">
+              <a:solidFill>
+                <a:schemeClr val="tx1"/>
+              </a:solidFill>
+            </a:endParaRPr>
+          </a:p>
+          <a:p>
+            <a:r>
+              <a:rPr lang="en-US" dirty="0">
+                <a:solidFill>
+                  <a:schemeClr val="accent2"/>
+                </a:solidFill>
+              </a:rPr>
+              <a:t>	.cool-variable-class </a:t>
+            </a:r>
+            <a:r>
+              <a:rPr lang="en-US" dirty="0">
+                <a:solidFill>
+                  <a:schemeClr val="tx1"/>
+                </a:solidFill>
+              </a:rPr>
+              <a:t>{</a:t>
+            </a:r>
+          </a:p>
+          <a:p>
+            <a:r>
+              <a:rPr lang="en-US" dirty="0">
+                <a:solidFill>
+                  <a:schemeClr val="accent1"/>
+                </a:solidFill>
+              </a:rPr>
+              <a:t>	           background-color</a:t>
+            </a:r>
+            <a:r>
+              <a:rPr lang="en-US" i="1" dirty="0">
+                <a:solidFill>
+                  <a:schemeClr val="accent1"/>
+                </a:solidFill>
+              </a:rPr>
+              <a:t>: </a:t>
+            </a:r>
+            <a:r>
+              <a:rPr lang="en-US" dirty="0" err="1">
+                <a:solidFill>
+                  <a:schemeClr val="accent1"/>
+                </a:solidFill>
+              </a:rPr>
+              <a:t>var</a:t>
+            </a:r>
+            <a:r>
+              <a:rPr lang="en-US" dirty="0">
+                <a:solidFill>
+                  <a:schemeClr val="accent1"/>
+                </a:solidFill>
+              </a:rPr>
+              <a:t>(--grey);</a:t>
+            </a:r>
+          </a:p>
+          <a:p>
+            <a:r>
+              <a:rPr lang="en-US" dirty="0">
+                <a:solidFill>
+                  <a:schemeClr val="accent1"/>
+                </a:solidFill>
+              </a:rPr>
+              <a:t>	</a:t>
+            </a:r>
+            <a:r>
+              <a:rPr lang="en-US" dirty="0">
+                <a:solidFill>
+                  <a:schemeClr val="tx1"/>
+                </a:solidFill>
+              </a:rPr>
+              <a:t>}</a:t>
+            </a:r>
+          </a:p>
+        </p:txBody>
+      </p:sp>
+      <p:sp>
+        <p:nvSpPr>
+          <p:cNvPr id="15" name="TextBox 14">
+            <a:extLst>
+              <a:ext uri="{FF2B5EF4-FFF2-40B4-BE49-F238E27FC236}">
+                <a16:creationId xmlns:a16="http://schemas.microsoft.com/office/drawing/2014/main" id="{A26F7E61-4F8C-1047-BF75-3D508414B270}"/>
+              </a:ext>
+            </a:extLst>
+          </p:cNvPr>
+          <p:cNvSpPr txBox="1"/>
+          <p:nvPr/>
+        </p:nvSpPr>
+        <p:spPr>
+          <a:xfrm>
+            <a:off x="614911" y="2930160"/>
+            <a:ext cx="6021072" cy="400110"/>
+          </a:xfrm>
+          <a:prstGeom prst="rect">
+            <a:avLst/>
+          </a:prstGeom>
+          <a:noFill/>
+        </p:spPr>
+        <p:txBody>
+          <a:bodyPr wrap="none" rtlCol="0">
+            <a:spAutoFit/>
+          </a:bodyPr>
+          <a:lstStyle/>
+          <a:p>
+            <a:r>
+              <a:rPr lang="en-US" sz="2000" dirty="0"/>
+              <a:t>We can use it in multiple classes for multiple properties.</a:t>
+            </a:r>
+          </a:p>
+        </p:txBody>
+      </p:sp>
+      <p:sp>
+        <p:nvSpPr>
+          <p:cNvPr id="16" name="TextBox 15">
+            <a:extLst>
+              <a:ext uri="{FF2B5EF4-FFF2-40B4-BE49-F238E27FC236}">
+                <a16:creationId xmlns:a16="http://schemas.microsoft.com/office/drawing/2014/main" id="{D1654EF5-AF4F-F94A-A2A2-66F664E41E61}"/>
+              </a:ext>
+            </a:extLst>
+          </p:cNvPr>
+          <p:cNvSpPr txBox="1"/>
+          <p:nvPr/>
+        </p:nvSpPr>
+        <p:spPr>
+          <a:xfrm>
+            <a:off x="614911" y="5784883"/>
+            <a:ext cx="5565306" cy="369332"/>
+          </a:xfrm>
+          <a:prstGeom prst="rect">
+            <a:avLst/>
+          </a:prstGeom>
+          <a:noFill/>
+        </p:spPr>
+        <p:txBody>
+          <a:bodyPr wrap="none" rtlCol="0">
+            <a:spAutoFit/>
+          </a:bodyPr>
+          <a:lstStyle/>
+          <a:p>
+            <a:r>
+              <a:rPr lang="en-US" dirty="0"/>
+              <a:t>*we will learn how to reassign variables later with </a:t>
+            </a:r>
+            <a:r>
+              <a:rPr lang="en-US" dirty="0" err="1"/>
+              <a:t>JQuery</a:t>
+            </a:r>
+            <a:endParaRPr lang="en-US" dirty="0"/>
+          </a:p>
+        </p:txBody>
+      </p:sp>
+    </p:spTree>
+    <p:extLst>
+      <p:ext uri="{BB962C8B-B14F-4D97-AF65-F5344CB8AC3E}">
+        <p14:creationId xmlns:p14="http://schemas.microsoft.com/office/powerpoint/2010/main" val="801787519"/>
+      </p:ext>
+    </p:extLst>
+  </p:cSld>
+  <p:clrMapOvr>
+    <a:masterClrMapping/>
+  </p:clrMapOvr>
+  <p:timing>
+    <p:tnLst>
+      <p:par>
+        <p:cTn id="1" dur="indefinite" restart="never" nodeType="tmRoot">
+          <p:childTnLst>
+            <p:seq concurrent="1" nextAc="seek">
+              <p:cTn id="2" dur="indefinite" nodeType="mainSeq">
+                <p:childTnLst>
+                  <p:par>
+                    <p:cTn id="3" fill="hold">
+                      <p:stCondLst>
+                        <p:cond delay="indefinite"/>
+                      </p:stCondLst>
+                      <p:childTnLst>
+                        <p:par>
+                          <p:cTn id="4" fill="hold">
+                            <p:stCondLst>
+                              <p:cond delay="0"/>
+                            </p:stCondLst>
+                            <p:childTnLst>
+                              <p:par>
+                                <p:cTn id="5" presetID="1" presetClass="entr" presetSubtype="0" fill="hold" nodeType="clickEffect">
+                                  <p:stCondLst>
+                                    <p:cond delay="0"/>
+                                  </p:stCondLst>
+                                  <p:childTnLst>
+                                    <p:set>
+                                      <p:cBhvr>
+                                        <p:cTn id="6" dur="1" fill="hold">
+                                          <p:stCondLst>
+                                            <p:cond delay="0"/>
+                                          </p:stCondLst>
+                                        </p:cTn>
+                                        <p:tgtEl>
+                                          <p:spTgt spid="16">
+                                            <p:txEl>
+                                              <p:pRg st="0" end="0"/>
+                                            </p:txEl>
+                                          </p:spTgt>
+                                        </p:tgtEl>
+                                        <p:attrNameLst>
+                                          <p:attrName>style.visibility</p:attrName>
+                                        </p:attrNameLst>
+                                      </p:cBhvr>
+                                      <p:to>
+                                        <p:strVal val="visible"/>
+                                      </p:to>
+                                    </p:set>
+                                  </p:childTnLst>
+                                </p:cTn>
+                              </p:par>
+                            </p:childTnLst>
+                          </p:cTn>
+                        </p:par>
+                      </p:childTnLst>
+                    </p:cTn>
+                  </p:par>
+                </p:childTnLst>
+              </p:cTn>
+              <p:prevCondLst>
+                <p:cond evt="onPrev" delay="0">
+                  <p:tgtEl>
+                    <p:sldTgt/>
+                  </p:tgtEl>
+                </p:cond>
+              </p:prevCondLst>
+              <p:nextCondLst>
+                <p:cond evt="onNext" delay="0">
+                  <p:tgtEl>
+                    <p:sldTgt/>
+                  </p:tgtEl>
+                </p:cond>
+              </p:nextCondLst>
+            </p:seq>
+          </p:childTnLst>
+        </p:cTn>
+      </p:par>
+    </p:tnLst>
+  </p:timing>
+</p:sld>
+</file>
+
+<file path=ppt/slides/slide14.xml><?xml version="1.0" encoding="utf-8"?>
+<p:sld xmlns:a="http://schemas.openxmlformats.org/drawingml/2006/main" xmlns:r="http://schemas.openxmlformats.org/officeDocument/2006/relationships" xmlns:p="http://schemas.openxmlformats.org/presentationml/2006/main">
+  <p:cSld>
+    <p:bg>
+      <p:bgPr>
+        <a:solidFill>
+          <a:schemeClr val="bg2"/>
+        </a:solidFill>
+        <a:effectLst/>
+      </p:bgPr>
+    </p:bg>
+    <p:spTree>
+      <p:nvGrpSpPr>
+        <p:cNvPr id="1" name=""/>
+        <p:cNvGrpSpPr/>
+        <p:nvPr/>
+      </p:nvGrpSpPr>
+      <p:grpSpPr>
+        <a:xfrm>
+          <a:off x="0" y="0"/>
+          <a:ext cx="0" cy="0"/>
+          <a:chOff x="0" y="0"/>
+          <a:chExt cx="0" cy="0"/>
+        </a:xfrm>
+      </p:grpSpPr>
+      <p:sp>
+        <p:nvSpPr>
+          <p:cNvPr id="4" name="Rectangle 3">
+            <a:extLst>
+              <a:ext uri="{FF2B5EF4-FFF2-40B4-BE49-F238E27FC236}">
+                <a16:creationId xmlns:a16="http://schemas.microsoft.com/office/drawing/2014/main" id="{678F1DA2-2833-49FF-9287-44720AC6C8D2}"/>
+              </a:ext>
+            </a:extLst>
+          </p:cNvPr>
+          <p:cNvSpPr/>
+          <p:nvPr/>
+        </p:nvSpPr>
+        <p:spPr>
+          <a:xfrm>
+            <a:off x="0" y="6581001"/>
+            <a:ext cx="9976268" cy="276999"/>
+          </a:xfrm>
+          <a:prstGeom prst="rect">
+            <a:avLst/>
+          </a:prstGeom>
+          <a:solidFill>
+            <a:srgbClr val="92D050"/>
+          </a:solidFill>
+          <a:ln>
+            <a:noFill/>
+          </a:ln>
+        </p:spPr>
+        <p:style>
+          <a:lnRef idx="2">
+            <a:schemeClr val="accent1">
+              <a:shade val="50000"/>
+            </a:schemeClr>
+          </a:lnRef>
+          <a:fillRef idx="1">
+            <a:schemeClr val="accent1"/>
+          </a:fillRef>
+          <a:effectRef idx="0">
+            <a:schemeClr val="accent1"/>
+          </a:effectRef>
+          <a:fontRef idx="minor">
+            <a:schemeClr val="lt1"/>
+          </a:fontRef>
+        </p:style>
+        <p:txBody>
+          <a:bodyPr rtlCol="0" anchor="ctr"/>
+          <a:lstStyle/>
+          <a:p>
+            <a:pPr algn="ctr"/>
+            <a:endParaRPr lang="en-US" dirty="0"/>
+          </a:p>
+        </p:txBody>
+      </p:sp>
+      <p:sp>
+        <p:nvSpPr>
+          <p:cNvPr id="5" name="TextBox 4">
+            <a:extLst>
+              <a:ext uri="{FF2B5EF4-FFF2-40B4-BE49-F238E27FC236}">
+                <a16:creationId xmlns:a16="http://schemas.microsoft.com/office/drawing/2014/main" id="{9758F7A4-2143-4CCD-B8B3-8B4A1461ECF9}"/>
+              </a:ext>
+            </a:extLst>
+          </p:cNvPr>
+          <p:cNvSpPr txBox="1"/>
+          <p:nvPr/>
+        </p:nvSpPr>
+        <p:spPr>
+          <a:xfrm>
+            <a:off x="36674" y="6583215"/>
+            <a:ext cx="2682077" cy="276999"/>
+          </a:xfrm>
+          <a:prstGeom prst="rect">
+            <a:avLst/>
+          </a:prstGeom>
+          <a:noFill/>
+        </p:spPr>
+        <p:txBody>
+          <a:bodyPr wrap="square" rtlCol="0">
+            <a:spAutoFit/>
+          </a:bodyPr>
+          <a:lstStyle/>
+          <a:p>
+            <a:r>
+              <a:rPr lang="en-US" sz="1200" dirty="0">
+                <a:solidFill>
+                  <a:schemeClr val="bg1"/>
+                </a:solidFill>
+              </a:rPr>
+              <a:t>Building Personal Websites</a:t>
+            </a:r>
+          </a:p>
+        </p:txBody>
+      </p:sp>
+      <p:sp>
+        <p:nvSpPr>
+          <p:cNvPr id="6" name="Rectangle 5">
+            <a:extLst>
+              <a:ext uri="{FF2B5EF4-FFF2-40B4-BE49-F238E27FC236}">
+                <a16:creationId xmlns:a16="http://schemas.microsoft.com/office/drawing/2014/main" id="{40845236-8634-4353-BA0D-8817FE36EC7A}"/>
+              </a:ext>
+            </a:extLst>
+          </p:cNvPr>
+          <p:cNvSpPr/>
+          <p:nvPr/>
+        </p:nvSpPr>
+        <p:spPr>
+          <a:xfrm>
+            <a:off x="9921514" y="6581001"/>
+            <a:ext cx="2270485" cy="276999"/>
+          </a:xfrm>
+          <a:prstGeom prst="rect">
+            <a:avLst/>
+          </a:prstGeom>
+          <a:solidFill>
+            <a:srgbClr val="00B0F0"/>
+          </a:solidFill>
+          <a:ln>
+            <a:noFill/>
+          </a:ln>
+        </p:spPr>
+        <p:style>
+          <a:lnRef idx="2">
+            <a:schemeClr val="accent1">
+              <a:shade val="50000"/>
+            </a:schemeClr>
+          </a:lnRef>
+          <a:fillRef idx="1">
+            <a:schemeClr val="accent1"/>
+          </a:fillRef>
+          <a:effectRef idx="0">
+            <a:schemeClr val="accent1"/>
+          </a:effectRef>
+          <a:fontRef idx="minor">
+            <a:schemeClr val="lt1"/>
+          </a:fontRef>
+        </p:style>
+        <p:txBody>
+          <a:bodyPr rtlCol="0" anchor="ctr"/>
+          <a:lstStyle/>
+          <a:p>
+            <a:pPr algn="ctr"/>
+            <a:endParaRPr lang="en-US" dirty="0"/>
+          </a:p>
+        </p:txBody>
+      </p:sp>
+      <p:sp>
+        <p:nvSpPr>
+          <p:cNvPr id="8" name="TextBox 7">
+            <a:extLst>
+              <a:ext uri="{FF2B5EF4-FFF2-40B4-BE49-F238E27FC236}">
+                <a16:creationId xmlns:a16="http://schemas.microsoft.com/office/drawing/2014/main" id="{6403EA4A-E7EB-4525-B0D2-13B3997D5780}"/>
+              </a:ext>
+            </a:extLst>
+          </p:cNvPr>
+          <p:cNvSpPr txBox="1"/>
+          <p:nvPr/>
+        </p:nvSpPr>
+        <p:spPr>
+          <a:xfrm>
+            <a:off x="9958188" y="6578787"/>
+            <a:ext cx="2682077" cy="276999"/>
+          </a:xfrm>
+          <a:prstGeom prst="rect">
+            <a:avLst/>
+          </a:prstGeom>
+          <a:noFill/>
+        </p:spPr>
+        <p:txBody>
+          <a:bodyPr wrap="square" rtlCol="0">
+            <a:spAutoFit/>
+          </a:bodyPr>
+          <a:lstStyle/>
+          <a:p>
+            <a:r>
+              <a:rPr lang="en-US" sz="1200" dirty="0">
+                <a:solidFill>
+                  <a:schemeClr val="bg1"/>
+                </a:solidFill>
+              </a:rPr>
+              <a:t>Lecture 06 | Interactive Elements</a:t>
+            </a:r>
+          </a:p>
+        </p:txBody>
+      </p:sp>
+      <p:sp>
+        <p:nvSpPr>
+          <p:cNvPr id="3" name="TextBox 2">
+            <a:extLst>
+              <a:ext uri="{FF2B5EF4-FFF2-40B4-BE49-F238E27FC236}">
+                <a16:creationId xmlns:a16="http://schemas.microsoft.com/office/drawing/2014/main" id="{3720B5D8-AC15-4502-8D58-9C3FDF958DB1}"/>
+              </a:ext>
+            </a:extLst>
+          </p:cNvPr>
+          <p:cNvSpPr txBox="1"/>
+          <p:nvPr/>
+        </p:nvSpPr>
+        <p:spPr>
+          <a:xfrm>
+            <a:off x="340241" y="2989139"/>
+            <a:ext cx="9976267" cy="3034357"/>
+          </a:xfrm>
+          <a:prstGeom prst="rect">
+            <a:avLst/>
+          </a:prstGeom>
+          <a:noFill/>
+        </p:spPr>
+        <p:txBody>
+          <a:bodyPr wrap="square" rtlCol="0">
+            <a:spAutoFit/>
+          </a:bodyPr>
+          <a:lstStyle/>
+          <a:p>
+            <a:pPr marL="285750" indent="-285750">
+              <a:lnSpc>
+                <a:spcPct val="150000"/>
+              </a:lnSpc>
+              <a:buFont typeface="Arial" panose="020B0604020202020204" pitchFamily="34" charset="0"/>
+              <a:buChar char="•"/>
+            </a:pPr>
+            <a:r>
+              <a:rPr lang="en-US" sz="4400" dirty="0">
+                <a:solidFill>
+                  <a:schemeClr val="bg1">
+                    <a:lumMod val="65000"/>
+                  </a:schemeClr>
+                </a:solidFill>
+              </a:rPr>
+              <a:t> Class Hierarchy</a:t>
+            </a:r>
+          </a:p>
+          <a:p>
+            <a:pPr marL="285750" indent="-285750">
+              <a:lnSpc>
+                <a:spcPct val="150000"/>
+              </a:lnSpc>
+              <a:buFont typeface="Arial" panose="020B0604020202020204" pitchFamily="34" charset="0"/>
+              <a:buChar char="•"/>
+            </a:pPr>
+            <a:r>
+              <a:rPr lang="en-US" sz="4400" dirty="0">
+                <a:solidFill>
+                  <a:schemeClr val="bg1">
+                    <a:lumMod val="65000"/>
+                  </a:schemeClr>
+                </a:solidFill>
+              </a:rPr>
+              <a:t> CSS Variables</a:t>
+            </a:r>
+          </a:p>
+          <a:p>
+            <a:pPr marL="285750" indent="-285750">
+              <a:lnSpc>
+                <a:spcPct val="150000"/>
+              </a:lnSpc>
+              <a:buFont typeface="Arial" panose="020B0604020202020204" pitchFamily="34" charset="0"/>
+              <a:buChar char="•"/>
+            </a:pPr>
+            <a:r>
+              <a:rPr lang="en-US" sz="4400" dirty="0"/>
+              <a:t> Basic Interactions: A CSS Approach</a:t>
+            </a:r>
+          </a:p>
+        </p:txBody>
+      </p:sp>
+    </p:spTree>
+    <p:extLst>
+      <p:ext uri="{BB962C8B-B14F-4D97-AF65-F5344CB8AC3E}">
+        <p14:creationId xmlns:p14="http://schemas.microsoft.com/office/powerpoint/2010/main" val="1016907836"/>
+      </p:ext>
+    </p:extLst>
+  </p:cSld>
+  <p:clrMapOvr>
+    <a:masterClrMapping/>
+  </p:clrMapOvr>
+</p:sld>
+</file>
+
+<file path=ppt/slides/slide15.xml><?xml version="1.0" encoding="utf-8"?>
+<p:sld xmlns:a="http://schemas.openxmlformats.org/drawingml/2006/main" xmlns:r="http://schemas.openxmlformats.org/officeDocument/2006/relationships" xmlns:p="http://schemas.openxmlformats.org/presentationml/2006/main">
+  <p:cSld>
+    <p:bg>
+      <p:bgPr>
+        <a:solidFill>
+          <a:schemeClr val="bg2"/>
+        </a:solidFill>
+        <a:effectLst/>
+      </p:bgPr>
+    </p:bg>
+    <p:spTree>
+      <p:nvGrpSpPr>
+        <p:cNvPr id="1" name=""/>
+        <p:cNvGrpSpPr/>
+        <p:nvPr/>
+      </p:nvGrpSpPr>
+      <p:grpSpPr>
+        <a:xfrm>
+          <a:off x="0" y="0"/>
+          <a:ext cx="0" cy="0"/>
+          <a:chOff x="0" y="0"/>
+          <a:chExt cx="0" cy="0"/>
+        </a:xfrm>
+      </p:grpSpPr>
+      <p:sp>
+        <p:nvSpPr>
+          <p:cNvPr id="4" name="Rectangle 3">
+            <a:extLst>
+              <a:ext uri="{FF2B5EF4-FFF2-40B4-BE49-F238E27FC236}">
+                <a16:creationId xmlns:a16="http://schemas.microsoft.com/office/drawing/2014/main" id="{678F1DA2-2833-49FF-9287-44720AC6C8D2}"/>
+              </a:ext>
+            </a:extLst>
+          </p:cNvPr>
+          <p:cNvSpPr/>
+          <p:nvPr/>
+        </p:nvSpPr>
+        <p:spPr>
+          <a:xfrm>
+            <a:off x="0" y="6581001"/>
+            <a:ext cx="9976268" cy="276999"/>
+          </a:xfrm>
+          <a:prstGeom prst="rect">
+            <a:avLst/>
+          </a:prstGeom>
+          <a:solidFill>
+            <a:srgbClr val="92D050"/>
+          </a:solidFill>
+          <a:ln>
+            <a:noFill/>
+          </a:ln>
+        </p:spPr>
+        <p:style>
+          <a:lnRef idx="2">
+            <a:schemeClr val="accent1">
+              <a:shade val="50000"/>
+            </a:schemeClr>
+          </a:lnRef>
+          <a:fillRef idx="1">
+            <a:schemeClr val="accent1"/>
+          </a:fillRef>
+          <a:effectRef idx="0">
+            <a:schemeClr val="accent1"/>
+          </a:effectRef>
+          <a:fontRef idx="minor">
+            <a:schemeClr val="lt1"/>
+          </a:fontRef>
+        </p:style>
+        <p:txBody>
+          <a:bodyPr rtlCol="0" anchor="ctr"/>
+          <a:lstStyle/>
+          <a:p>
+            <a:pPr algn="ctr"/>
+            <a:endParaRPr lang="en-US" dirty="0"/>
+          </a:p>
+        </p:txBody>
+      </p:sp>
+      <p:sp>
+        <p:nvSpPr>
+          <p:cNvPr id="5" name="TextBox 4">
+            <a:extLst>
+              <a:ext uri="{FF2B5EF4-FFF2-40B4-BE49-F238E27FC236}">
+                <a16:creationId xmlns:a16="http://schemas.microsoft.com/office/drawing/2014/main" id="{9758F7A4-2143-4CCD-B8B3-8B4A1461ECF9}"/>
+              </a:ext>
+            </a:extLst>
+          </p:cNvPr>
+          <p:cNvSpPr txBox="1"/>
+          <p:nvPr/>
+        </p:nvSpPr>
+        <p:spPr>
+          <a:xfrm>
+            <a:off x="36674" y="6583215"/>
+            <a:ext cx="2682077" cy="276999"/>
+          </a:xfrm>
+          <a:prstGeom prst="rect">
+            <a:avLst/>
+          </a:prstGeom>
+          <a:noFill/>
+        </p:spPr>
+        <p:txBody>
+          <a:bodyPr wrap="square" rtlCol="0">
+            <a:spAutoFit/>
+          </a:bodyPr>
+          <a:lstStyle/>
+          <a:p>
+            <a:r>
+              <a:rPr lang="en-US" sz="1200" dirty="0">
+                <a:solidFill>
+                  <a:schemeClr val="bg1"/>
+                </a:solidFill>
+              </a:rPr>
+              <a:t>Building Personal Websites</a:t>
+            </a:r>
+          </a:p>
+        </p:txBody>
+      </p:sp>
+      <p:sp>
+        <p:nvSpPr>
+          <p:cNvPr id="6" name="Rectangle 5">
+            <a:extLst>
+              <a:ext uri="{FF2B5EF4-FFF2-40B4-BE49-F238E27FC236}">
+                <a16:creationId xmlns:a16="http://schemas.microsoft.com/office/drawing/2014/main" id="{40845236-8634-4353-BA0D-8817FE36EC7A}"/>
+              </a:ext>
+            </a:extLst>
+          </p:cNvPr>
+          <p:cNvSpPr/>
+          <p:nvPr/>
+        </p:nvSpPr>
+        <p:spPr>
+          <a:xfrm>
+            <a:off x="9921514" y="6581001"/>
+            <a:ext cx="2270485" cy="276999"/>
+          </a:xfrm>
+          <a:prstGeom prst="rect">
+            <a:avLst/>
+          </a:prstGeom>
+          <a:solidFill>
+            <a:srgbClr val="00B0F0"/>
+          </a:solidFill>
+          <a:ln>
+            <a:noFill/>
+          </a:ln>
+        </p:spPr>
+        <p:style>
+          <a:lnRef idx="2">
+            <a:schemeClr val="accent1">
+              <a:shade val="50000"/>
+            </a:schemeClr>
+          </a:lnRef>
+          <a:fillRef idx="1">
+            <a:schemeClr val="accent1"/>
+          </a:fillRef>
+          <a:effectRef idx="0">
+            <a:schemeClr val="accent1"/>
+          </a:effectRef>
+          <a:fontRef idx="minor">
+            <a:schemeClr val="lt1"/>
+          </a:fontRef>
+        </p:style>
+        <p:txBody>
+          <a:bodyPr rtlCol="0" anchor="ctr"/>
+          <a:lstStyle/>
+          <a:p>
+            <a:pPr algn="ctr"/>
+            <a:endParaRPr lang="en-US" dirty="0"/>
+          </a:p>
+        </p:txBody>
+      </p:sp>
+      <p:sp>
+        <p:nvSpPr>
+          <p:cNvPr id="8" name="TextBox 7">
+            <a:extLst>
+              <a:ext uri="{FF2B5EF4-FFF2-40B4-BE49-F238E27FC236}">
+                <a16:creationId xmlns:a16="http://schemas.microsoft.com/office/drawing/2014/main" id="{6403EA4A-E7EB-4525-B0D2-13B3997D5780}"/>
+              </a:ext>
+            </a:extLst>
+          </p:cNvPr>
+          <p:cNvSpPr txBox="1"/>
+          <p:nvPr/>
+        </p:nvSpPr>
+        <p:spPr>
+          <a:xfrm>
+            <a:off x="9958188" y="6578787"/>
+            <a:ext cx="2682077" cy="276999"/>
+          </a:xfrm>
+          <a:prstGeom prst="rect">
+            <a:avLst/>
+          </a:prstGeom>
+          <a:noFill/>
+        </p:spPr>
+        <p:txBody>
+          <a:bodyPr wrap="square" rtlCol="0">
+            <a:spAutoFit/>
+          </a:bodyPr>
+          <a:lstStyle/>
+          <a:p>
+            <a:r>
+              <a:rPr lang="en-US" sz="1200" dirty="0">
+                <a:solidFill>
+                  <a:schemeClr val="bg1"/>
+                </a:solidFill>
+              </a:rPr>
+              <a:t>Lecture 06 | Interactive Elements</a:t>
+            </a:r>
+          </a:p>
+        </p:txBody>
+      </p:sp>
+      <p:sp>
+        <p:nvSpPr>
+          <p:cNvPr id="11" name="TextBox 10">
+            <a:extLst>
+              <a:ext uri="{FF2B5EF4-FFF2-40B4-BE49-F238E27FC236}">
+                <a16:creationId xmlns:a16="http://schemas.microsoft.com/office/drawing/2014/main" id="{BA222DD1-D57D-884C-B7EE-F4083CF38CD7}"/>
+              </a:ext>
+            </a:extLst>
+          </p:cNvPr>
+          <p:cNvSpPr txBox="1"/>
+          <p:nvPr/>
+        </p:nvSpPr>
+        <p:spPr>
+          <a:xfrm>
+            <a:off x="3068560" y="10633"/>
+            <a:ext cx="5744777" cy="1003031"/>
+          </a:xfrm>
+          <a:prstGeom prst="rect">
+            <a:avLst/>
+          </a:prstGeom>
+          <a:noFill/>
+        </p:spPr>
+        <p:txBody>
+          <a:bodyPr wrap="square" rtlCol="0">
+            <a:spAutoFit/>
+          </a:bodyPr>
+          <a:lstStyle/>
+          <a:p>
+            <a:pPr algn="ctr">
+              <a:lnSpc>
+                <a:spcPct val="150000"/>
+              </a:lnSpc>
+            </a:pPr>
+            <a:r>
+              <a:rPr lang="en-US" sz="4400" dirty="0"/>
+              <a:t>Basic Interactions</a:t>
+            </a:r>
+          </a:p>
+        </p:txBody>
+      </p:sp>
+      <p:cxnSp>
+        <p:nvCxnSpPr>
+          <p:cNvPr id="12" name="Straight Connector 11">
+            <a:extLst>
+              <a:ext uri="{FF2B5EF4-FFF2-40B4-BE49-F238E27FC236}">
+                <a16:creationId xmlns:a16="http://schemas.microsoft.com/office/drawing/2014/main" id="{D2C17335-66F8-9B4C-8EB9-3B8FF6EFF0FE}"/>
+              </a:ext>
+            </a:extLst>
+          </p:cNvPr>
+          <p:cNvCxnSpPr>
+            <a:cxnSpLocks/>
+          </p:cNvCxnSpPr>
+          <p:nvPr/>
+        </p:nvCxnSpPr>
+        <p:spPr>
+          <a:xfrm>
+            <a:off x="5730956" y="1013664"/>
+            <a:ext cx="419986" cy="0"/>
+          </a:xfrm>
+          <a:prstGeom prst="line">
+            <a:avLst/>
+          </a:prstGeom>
+          <a:ln w="28575"/>
+        </p:spPr>
+        <p:style>
+          <a:lnRef idx="1">
+            <a:schemeClr val="dk1"/>
+          </a:lnRef>
+          <a:fillRef idx="0">
+            <a:schemeClr val="dk1"/>
+          </a:fillRef>
+          <a:effectRef idx="0">
+            <a:schemeClr val="dk1"/>
+          </a:effectRef>
+          <a:fontRef idx="minor">
+            <a:schemeClr val="tx1"/>
+          </a:fontRef>
+        </p:style>
+      </p:cxnSp>
+      <p:sp>
+        <p:nvSpPr>
+          <p:cNvPr id="17" name="Rectangle 16">
+            <a:extLst>
+              <a:ext uri="{FF2B5EF4-FFF2-40B4-BE49-F238E27FC236}">
+                <a16:creationId xmlns:a16="http://schemas.microsoft.com/office/drawing/2014/main" id="{2209F7D9-433B-4B4A-9691-776CB39AA760}"/>
+              </a:ext>
+            </a:extLst>
+          </p:cNvPr>
+          <p:cNvSpPr/>
+          <p:nvPr/>
+        </p:nvSpPr>
+        <p:spPr>
+          <a:xfrm>
+            <a:off x="675523" y="1773065"/>
+            <a:ext cx="10792047" cy="630278"/>
+          </a:xfrm>
+          <a:prstGeom prst="rect">
+            <a:avLst/>
+          </a:prstGeom>
+          <a:solidFill>
+            <a:schemeClr val="bg1">
+              <a:lumMod val="95000"/>
+            </a:schemeClr>
+          </a:solidFill>
+          <a:ln w="3175">
+            <a:solidFill>
+              <a:schemeClr val="bg1">
+                <a:lumMod val="85000"/>
+              </a:schemeClr>
+            </a:solidFill>
+          </a:ln>
+        </p:spPr>
+        <p:style>
+          <a:lnRef idx="2">
+            <a:schemeClr val="accent1">
+              <a:shade val="50000"/>
+            </a:schemeClr>
+          </a:lnRef>
+          <a:fillRef idx="1">
+            <a:schemeClr val="accent1"/>
+          </a:fillRef>
+          <a:effectRef idx="0">
+            <a:schemeClr val="accent1"/>
+          </a:effectRef>
+          <a:fontRef idx="minor">
+            <a:schemeClr val="lt1"/>
+          </a:fontRef>
+        </p:style>
+        <p:txBody>
+          <a:bodyPr rtlCol="0" anchor="ctr"/>
+          <a:lstStyle/>
+          <a:p>
+            <a:r>
+              <a:rPr lang="en-US" dirty="0">
+                <a:solidFill>
+                  <a:schemeClr val="accent1"/>
+                </a:solidFill>
+              </a:rPr>
+              <a:t>	.</a:t>
+            </a:r>
+            <a:r>
+              <a:rPr lang="en-US" dirty="0" err="1">
+                <a:solidFill>
+                  <a:schemeClr val="accent1"/>
+                </a:solidFill>
+              </a:rPr>
+              <a:t>element:hover</a:t>
+            </a:r>
+            <a:endParaRPr lang="en-US" dirty="0">
+              <a:solidFill>
+                <a:schemeClr val="accent1"/>
+              </a:solidFill>
+            </a:endParaRPr>
+          </a:p>
+        </p:txBody>
+      </p:sp>
+      <p:sp>
+        <p:nvSpPr>
+          <p:cNvPr id="20" name="TextBox 19">
+            <a:extLst>
+              <a:ext uri="{FF2B5EF4-FFF2-40B4-BE49-F238E27FC236}">
+                <a16:creationId xmlns:a16="http://schemas.microsoft.com/office/drawing/2014/main" id="{E27895EA-60DE-FE47-AC24-5A9718F3DB77}"/>
+              </a:ext>
+            </a:extLst>
+          </p:cNvPr>
+          <p:cNvSpPr txBox="1"/>
+          <p:nvPr/>
+        </p:nvSpPr>
+        <p:spPr>
+          <a:xfrm>
+            <a:off x="614911" y="1273243"/>
+            <a:ext cx="4802981" cy="400110"/>
+          </a:xfrm>
+          <a:prstGeom prst="rect">
+            <a:avLst/>
+          </a:prstGeom>
+          <a:noFill/>
+        </p:spPr>
+        <p:txBody>
+          <a:bodyPr wrap="none" rtlCol="0">
+            <a:spAutoFit/>
+          </a:bodyPr>
+          <a:lstStyle/>
+          <a:p>
+            <a:r>
+              <a:rPr lang="en-US" sz="2000" dirty="0"/>
+              <a:t>Activated when cursor </a:t>
+            </a:r>
+            <a:r>
+              <a:rPr lang="en-US" sz="2000" b="1" dirty="0"/>
+              <a:t>hovers</a:t>
+            </a:r>
+            <a:r>
+              <a:rPr lang="en-US" sz="2000" dirty="0"/>
+              <a:t> over element.</a:t>
+            </a:r>
+          </a:p>
+        </p:txBody>
+      </p:sp>
+      <p:sp>
+        <p:nvSpPr>
+          <p:cNvPr id="22" name="TextBox 21">
+            <a:extLst>
+              <a:ext uri="{FF2B5EF4-FFF2-40B4-BE49-F238E27FC236}">
+                <a16:creationId xmlns:a16="http://schemas.microsoft.com/office/drawing/2014/main" id="{04EE3551-DA9E-4245-9347-A4832722605A}"/>
+              </a:ext>
+            </a:extLst>
+          </p:cNvPr>
+          <p:cNvSpPr txBox="1"/>
+          <p:nvPr/>
+        </p:nvSpPr>
+        <p:spPr>
+          <a:xfrm>
+            <a:off x="614911" y="2519483"/>
+            <a:ext cx="5386283" cy="400110"/>
+          </a:xfrm>
+          <a:prstGeom prst="rect">
+            <a:avLst/>
+          </a:prstGeom>
+          <a:noFill/>
+        </p:spPr>
+        <p:txBody>
+          <a:bodyPr wrap="none" rtlCol="0">
+            <a:spAutoFit/>
+          </a:bodyPr>
+          <a:lstStyle/>
+          <a:p>
+            <a:r>
+              <a:rPr lang="en-US" sz="2000" dirty="0"/>
+              <a:t>Activated when cursor </a:t>
+            </a:r>
+            <a:r>
+              <a:rPr lang="en-US" sz="2000" b="1" dirty="0"/>
+              <a:t>clicks (and holds)</a:t>
+            </a:r>
+            <a:r>
+              <a:rPr lang="en-US" sz="2000" dirty="0"/>
+              <a:t> element.</a:t>
+            </a:r>
+          </a:p>
+        </p:txBody>
+      </p:sp>
+      <p:sp>
+        <p:nvSpPr>
+          <p:cNvPr id="23" name="Rectangle 22">
+            <a:extLst>
+              <a:ext uri="{FF2B5EF4-FFF2-40B4-BE49-F238E27FC236}">
+                <a16:creationId xmlns:a16="http://schemas.microsoft.com/office/drawing/2014/main" id="{6841E864-8DC3-3146-A8EA-3B0E1AEB6DB8}"/>
+              </a:ext>
+            </a:extLst>
+          </p:cNvPr>
+          <p:cNvSpPr/>
+          <p:nvPr/>
+        </p:nvSpPr>
+        <p:spPr>
+          <a:xfrm>
+            <a:off x="675523" y="3083018"/>
+            <a:ext cx="10792047" cy="630278"/>
+          </a:xfrm>
+          <a:prstGeom prst="rect">
+            <a:avLst/>
+          </a:prstGeom>
+          <a:solidFill>
+            <a:schemeClr val="bg1">
+              <a:lumMod val="95000"/>
+            </a:schemeClr>
+          </a:solidFill>
+          <a:ln w="3175">
+            <a:solidFill>
+              <a:schemeClr val="bg1">
+                <a:lumMod val="85000"/>
+              </a:schemeClr>
+            </a:solidFill>
+          </a:ln>
+        </p:spPr>
+        <p:style>
+          <a:lnRef idx="2">
+            <a:schemeClr val="accent1">
+              <a:shade val="50000"/>
+            </a:schemeClr>
+          </a:lnRef>
+          <a:fillRef idx="1">
+            <a:schemeClr val="accent1"/>
+          </a:fillRef>
+          <a:effectRef idx="0">
+            <a:schemeClr val="accent1"/>
+          </a:effectRef>
+          <a:fontRef idx="minor">
+            <a:schemeClr val="lt1"/>
+          </a:fontRef>
+        </p:style>
+        <p:txBody>
+          <a:bodyPr rtlCol="0" anchor="ctr"/>
+          <a:lstStyle/>
+          <a:p>
+            <a:r>
+              <a:rPr lang="en-US" dirty="0">
+                <a:solidFill>
+                  <a:schemeClr val="accent1"/>
+                </a:solidFill>
+              </a:rPr>
               <a:t>	.</a:t>
             </a:r>
             <a:r>
@@ -5360,7 +7184,7 @@
 </p:sld>
 </file>
 
-<file path=ppt/slides/slide13.xml><?xml version="1.0" encoding="utf-8"?>
+<file path=ppt/slides/slide16.xml><?xml version="1.0" encoding="utf-8"?>
 <p:sld xmlns:a="http://schemas.openxmlformats.org/drawingml/2006/main" xmlns:r="http://schemas.openxmlformats.org/officeDocument/2006/relationships" xmlns:p="http://schemas.openxmlformats.org/presentationml/2006/main">
   <p:cSld>
     <p:bg>
@@ -6401,7 +8225,7 @@
 </p:sld>
 </file>
 
-<file path=ppt/slides/slide14.xml><?xml version="1.0" encoding="utf-8"?>
+<file path=ppt/slides/slide17.xml><?xml version="1.0" encoding="utf-8"?>
 <p:sld xmlns:a="http://schemas.openxmlformats.org/drawingml/2006/main" xmlns:r="http://schemas.openxmlformats.org/officeDocument/2006/relationships" xmlns:p="http://schemas.openxmlformats.org/presentationml/2006/main">
   <p:cSld>
     <p:bg>
@@ -7294,7 +9118,7 @@
 </p:sld>
 </file>
 
-<file path=ppt/slides/slide15.xml><?xml version="1.0" encoding="utf-8"?>
+<file path=ppt/slides/slide18.xml><?xml version="1.0" encoding="utf-8"?>
 <p:sld xmlns:a="http://schemas.openxmlformats.org/drawingml/2006/main" xmlns:r="http://schemas.openxmlformats.org/officeDocument/2006/relationships" xmlns:p="http://schemas.openxmlformats.org/presentationml/2006/main">
   <p:cSld>
     <p:bg>
@@ -7677,7 +9501,7 @@
 </p:sld>
 </file>
 
-<file path=ppt/slides/slide16.xml><?xml version="1.0" encoding="utf-8"?>
+<file path=ppt/slides/slide19.xml><?xml version="1.0" encoding="utf-8"?>
 <p:sld xmlns:a="http://schemas.openxmlformats.org/drawingml/2006/main" xmlns:r="http://schemas.openxmlformats.org/officeDocument/2006/relationships" xmlns:p="http://schemas.openxmlformats.org/presentationml/2006/main">
   <p:cSld>
     <p:bg>
@@ -8154,8 +9978,8 @@
         </p:nvSpPr>
         <p:spPr>
           <a:xfrm>
-            <a:off x="340241" y="4044216"/>
-            <a:ext cx="9976267" cy="2018694"/>
+            <a:off x="340241" y="2989139"/>
+            <a:ext cx="9976267" cy="3034357"/>
           </a:xfrm>
           <a:prstGeom prst="rect">
             <a:avLst/>
@@ -8178,6 +10002,25 @@
             <a:r>
               <a:rPr lang="en-US" sz="4400" dirty="0"/>
               <a:t> Class Hierarchy</a:t>
+            </a:r>
+          </a:p>
+          <a:p>
+            <a:pPr marL="285750" indent="-285750">
+              <a:lnSpc>
+                <a:spcPct val="150000"/>
+              </a:lnSpc>
+              <a:buFont typeface="Arial" panose="020B0604020202020204" pitchFamily="34" charset="0"/>
+              <a:buChar char="•"/>
+            </a:pPr>
+            <a:r>
+              <a:rPr lang="en-US" sz="4400" dirty="0">
+                <a:solidFill>
+                  <a:schemeClr val="bg1">
+                    <a:lumMod val="65000"/>
+                  </a:schemeClr>
+                </a:solidFill>
+              </a:rPr>
+              <a:t> CSS Variables</a:t>
             </a:r>
           </a:p>
           <a:p>
